--- a/materials/slides/ch02-4.pptx
+++ b/materials/slides/ch02-4.pptx
@@ -299,7 +299,7 @@
           <a:p>
             <a:fld id="{A097A4FE-15A4-4468-9890-CEB24014ACB3}" type="datetimeFigureOut">
               <a:rPr lang="zh-CN" altLang="en-US" smtClean="0"/>
-              <a:t>2018/10/8</a:t>
+              <a:t>2018/10/9</a:t>
             </a:fld>
             <a:endParaRPr lang="zh-CN" altLang="en-US"/>
           </a:p>
@@ -3105,7 +3105,7 @@
           <a:p>
             <a:fld id="{530820CF-B880-4189-942D-D702A7CBA730}" type="datetimeFigureOut">
               <a:rPr lang="zh-CN" altLang="en-US" smtClean="0"/>
-              <a:t>2018/10/8</a:t>
+              <a:t>2018/10/9</a:t>
             </a:fld>
             <a:endParaRPr lang="zh-CN" altLang="en-US"/>
           </a:p>
@@ -3224,7 +3224,7 @@
           <a:p>
             <a:fld id="{530820CF-B880-4189-942D-D702A7CBA730}" type="datetimeFigureOut">
               <a:rPr lang="zh-CN" altLang="en-US" smtClean="0"/>
-              <a:t>2018/10/8</a:t>
+              <a:t>2018/10/9</a:t>
             </a:fld>
             <a:endParaRPr lang="zh-CN" altLang="en-US"/>
           </a:p>
@@ -3627,7 +3627,7 @@
           <a:p>
             <a:fld id="{530820CF-B880-4189-942D-D702A7CBA730}" type="datetimeFigureOut">
               <a:rPr lang="zh-CN" altLang="en-US" smtClean="0"/>
-              <a:t>2018/10/8</a:t>
+              <a:t>2018/10/9</a:t>
             </a:fld>
             <a:endParaRPr lang="zh-CN" altLang="en-US"/>
           </a:p>
@@ -4727,6 +4727,13 @@
   <p:clrMapOvr>
     <a:masterClrMapping/>
   </p:clrMapOvr>
+  <p:timing>
+    <p:tnLst>
+      <p:par>
+        <p:cTn id="1" dur="indefinite" restart="never" nodeType="tmRoot"/>
+      </p:par>
+    </p:tnLst>
+  </p:timing>
 </p:sld>
 </file>
 
@@ -5151,6 +5158,13 @@
   <p:clrMapOvr>
     <a:masterClrMapping/>
   </p:clrMapOvr>
+  <p:timing>
+    <p:tnLst>
+      <p:par>
+        <p:cTn id="1" dur="indefinite" restart="never" nodeType="tmRoot"/>
+      </p:par>
+    </p:tnLst>
+  </p:timing>
 </p:sld>
 </file>
 
@@ -7361,6 +7375,13 @@
   <p:clrMapOvr>
     <a:masterClrMapping/>
   </p:clrMapOvr>
+  <p:timing>
+    <p:tnLst>
+      <p:par>
+        <p:cTn id="1" dur="indefinite" restart="never" nodeType="tmRoot"/>
+      </p:par>
+    </p:tnLst>
+  </p:timing>
 </p:sld>
 </file>
 
@@ -7649,6 +7670,13 @@
   <p:clrMapOvr>
     <a:masterClrMapping/>
   </p:clrMapOvr>
+  <p:timing>
+    <p:tnLst>
+      <p:par>
+        <p:cTn id="1" dur="indefinite" restart="never" nodeType="tmRoot"/>
+      </p:par>
+    </p:tnLst>
+  </p:timing>
 </p:sld>
 </file>
 
@@ -9263,6 +9291,13 @@
   <p:clrMapOvr>
     <a:masterClrMapping/>
   </p:clrMapOvr>
+  <p:timing>
+    <p:tnLst>
+      <p:par>
+        <p:cTn id="1" dur="indefinite" restart="never" nodeType="tmRoot"/>
+      </p:par>
+    </p:tnLst>
+  </p:timing>
 </p:sld>
 </file>
 
@@ -9927,6 +9962,13 @@
   <p:clrMapOvr>
     <a:masterClrMapping/>
   </p:clrMapOvr>
+  <p:timing>
+    <p:tnLst>
+      <p:par>
+        <p:cTn id="1" dur="indefinite" restart="never" nodeType="tmRoot"/>
+      </p:par>
+    </p:tnLst>
+  </p:timing>
 </p:sld>
 </file>
 
@@ -10583,6 +10625,13 @@
   <p:clrMapOvr>
     <a:masterClrMapping/>
   </p:clrMapOvr>
+  <p:timing>
+    <p:tnLst>
+      <p:par>
+        <p:cTn id="1" dur="indefinite" restart="never" nodeType="tmRoot"/>
+      </p:par>
+    </p:tnLst>
+  </p:timing>
 </p:sld>
 </file>
 
@@ -10879,6 +10928,13 @@
   <p:clrMapOvr>
     <a:masterClrMapping/>
   </p:clrMapOvr>
+  <p:timing>
+    <p:tnLst>
+      <p:par>
+        <p:cTn id="1" dur="indefinite" restart="never" nodeType="tmRoot"/>
+      </p:par>
+    </p:tnLst>
+  </p:timing>
 </p:sld>
 </file>
 
@@ -11254,6 +11310,13 @@
   <p:clrMapOvr>
     <a:masterClrMapping/>
   </p:clrMapOvr>
+  <p:timing>
+    <p:tnLst>
+      <p:par>
+        <p:cTn id="1" dur="indefinite" restart="never" nodeType="tmRoot"/>
+      </p:par>
+    </p:tnLst>
+  </p:timing>
 </p:sld>
 </file>
 
@@ -11397,6 +11460,13 @@
   <p:clrMapOvr>
     <a:masterClrMapping/>
   </p:clrMapOvr>
+  <p:timing>
+    <p:tnLst>
+      <p:par>
+        <p:cTn id="1" dur="indefinite" restart="never" nodeType="tmRoot"/>
+      </p:par>
+    </p:tnLst>
+  </p:timing>
 </p:sld>
 </file>
 
@@ -12167,6 +12237,13 @@
   <p:clrMapOvr>
     <a:masterClrMapping/>
   </p:clrMapOvr>
+  <p:timing>
+    <p:tnLst>
+      <p:par>
+        <p:cTn id="1" dur="indefinite" restart="never" nodeType="tmRoot"/>
+      </p:par>
+    </p:tnLst>
+  </p:timing>
 </p:sld>
 </file>
 
@@ -14022,6 +14099,13 @@
   <p:clrMapOvr>
     <a:masterClrMapping/>
   </p:clrMapOvr>
+  <p:timing>
+    <p:tnLst>
+      <p:par>
+        <p:cTn id="1" dur="indefinite" restart="never" nodeType="tmRoot"/>
+      </p:par>
+    </p:tnLst>
+  </p:timing>
 </p:sld>
 </file>
 
@@ -22587,18 +22671,7 @@
                   </a:schemeClr>
                 </a:solidFill>
               </a:rPr>
-              <a:t>）</a:t>
-            </a:r>
-            <a:r>
-              <a:rPr lang="zh-CN" altLang="en-US" sz="3200" dirty="0" smtClean="0">
-                <a:solidFill>
-                  <a:schemeClr val="tx1">
-                    <a:lumMod val="85000"/>
-                    <a:lumOff val="15000"/>
-                  </a:schemeClr>
-                </a:solidFill>
-              </a:rPr>
-              <a:t>；</a:t>
+              <a:t>）；</a:t>
             </a:r>
             <a:endParaRPr lang="en-US" altLang="zh-CN" sz="3200" dirty="0" smtClean="0">
               <a:solidFill>
@@ -25896,11 +25969,7 @@
             </a:r>
             <a:r>
               <a:rPr lang="zh-CN" altLang="en-US" dirty="0" smtClean="0"/>
-              <a:t>：</a:t>
-            </a:r>
-            <a:r>
-              <a:rPr lang="zh-CN" altLang="en-US" dirty="0" smtClean="0"/>
-              <a:t>创建通知并发送</a:t>
+              <a:t>：创建通知并发送</a:t>
             </a:r>
             <a:endParaRPr lang="zh-CN" altLang="en-US" dirty="0">
               <a:latin typeface="+mj-ea"/>
@@ -34662,21 +34731,10 @@
                   </a:schemeClr>
                 </a:solidFill>
               </a:rPr>
-              <a:t>模拟文本的复制和</a:t>
-            </a:r>
-            <a:r>
-              <a:rPr lang="zh-CN" altLang="en-US" sz="3200">
-                <a:solidFill>
-                  <a:schemeClr val="tx1">
-                    <a:lumMod val="85000"/>
-                    <a:lumOff val="15000"/>
-                  </a:schemeClr>
-                </a:solidFill>
-              </a:rPr>
-              <a:t>粘贴</a:t>
-            </a:r>
-            <a:r>
-              <a:rPr lang="zh-CN" altLang="en-US" sz="3200" smtClean="0">
+              <a:t>模拟文本的复制和粘贴</a:t>
+            </a:r>
+            <a:r>
+              <a:rPr lang="zh-CN" altLang="en-US" sz="3200" dirty="0" smtClean="0">
                 <a:solidFill>
                   <a:schemeClr val="tx1">
                     <a:lumMod val="85000"/>
@@ -34733,21 +34791,10 @@
                   </a:schemeClr>
                 </a:solidFill>
               </a:rPr>
-              <a:t>布局文件</a:t>
-            </a:r>
-            <a:r>
-              <a:rPr lang="zh-CN" altLang="en-US" sz="3200">
-                <a:solidFill>
-                  <a:schemeClr val="tx1">
-                    <a:lumMod val="85000"/>
-                    <a:lumOff val="15000"/>
-                  </a:schemeClr>
-                </a:solidFill>
-              </a:rPr>
-              <a:t>建立</a:t>
-            </a:r>
-            <a:r>
-              <a:rPr lang="zh-CN" altLang="en-US" sz="3200" smtClean="0">
+              <a:t>布局文件建立</a:t>
+            </a:r>
+            <a:r>
+              <a:rPr lang="zh-CN" altLang="en-US" sz="3200" dirty="0" smtClean="0">
                 <a:solidFill>
                   <a:schemeClr val="tx1">
                     <a:lumMod val="85000"/>
@@ -34782,7 +34829,29 @@
                   </a:schemeClr>
                 </a:solidFill>
               </a:rPr>
-              <a:t>该菜单中包含</a:t>
+              <a:t>该</a:t>
+            </a:r>
+            <a:r>
+              <a:rPr lang="zh-CN" altLang="en-US" sz="3200">
+                <a:solidFill>
+                  <a:schemeClr val="tx1">
+                    <a:lumMod val="85000"/>
+                    <a:lumOff val="15000"/>
+                  </a:schemeClr>
+                </a:solidFill>
+              </a:rPr>
+              <a:t>菜单</a:t>
+            </a:r>
+            <a:r>
+              <a:rPr lang="zh-CN" altLang="en-US" sz="3200" smtClean="0">
+                <a:solidFill>
+                  <a:schemeClr val="tx1">
+                    <a:lumMod val="85000"/>
+                    <a:lumOff val="15000"/>
+                  </a:schemeClr>
+                </a:solidFill>
+              </a:rPr>
+              <a:t>中可以包含</a:t>
             </a:r>
             <a:r>
               <a:rPr lang="zh-CN" altLang="en-US" sz="3200">
@@ -34831,21 +34900,10 @@
                   </a:schemeClr>
                 </a:solidFill>
               </a:rPr>
-              <a:t>为菜单项绑定</a:t>
-            </a:r>
-            <a:r>
-              <a:rPr lang="zh-CN" altLang="en-US" sz="3200">
-                <a:solidFill>
-                  <a:schemeClr val="tx1">
-                    <a:lumMod val="85000"/>
-                    <a:lumOff val="15000"/>
-                  </a:schemeClr>
-                </a:solidFill>
-              </a:rPr>
-              <a:t>选择</a:t>
-            </a:r>
-            <a:r>
-              <a:rPr lang="zh-CN" altLang="en-US" sz="3200" smtClean="0">
+              <a:t>为菜单项绑定选择</a:t>
+            </a:r>
+            <a:r>
+              <a:rPr lang="zh-CN" altLang="en-US" sz="3200" dirty="0" smtClean="0">
                 <a:solidFill>
                   <a:schemeClr val="tx1">
                     <a:lumMod val="85000"/>
@@ -35901,7 +35959,7 @@
               <a:defRPr/>
             </a:pPr>
             <a:r>
-              <a:rPr lang="en-US" altLang="zh-CN" sz="2400" b="1">
+              <a:rPr lang="en-US" altLang="zh-CN" sz="2400" b="1" dirty="0">
                 <a:solidFill>
                   <a:schemeClr val="tx1">
                     <a:lumMod val="85000"/>
@@ -35913,7 +35971,7 @@
               <a:t>public void </a:t>
             </a:r>
             <a:r>
-              <a:rPr lang="en-US" altLang="zh-CN" sz="2400" b="1">
+              <a:rPr lang="en-US" altLang="zh-CN" sz="2400" b="1" dirty="0" err="1">
                 <a:solidFill>
                   <a:srgbClr val="C00000"/>
                 </a:solidFill>
@@ -35922,19 +35980,43 @@
               <a:t>onCreateContextMenu</a:t>
             </a:r>
             <a:r>
-              <a:rPr lang="en-US" altLang="zh-CN" sz="2400" b="1">
-                <a:solidFill>
-                  <a:schemeClr val="tx1">
-                    <a:lumMod val="85000"/>
-                    <a:lumOff val="15000"/>
-                  </a:schemeClr>
-                </a:solidFill>
-                <a:latin typeface="Consolas" panose="020B0609020204030204" pitchFamily="49" charset="0"/>
-              </a:rPr>
-              <a:t>(ContextMenu menu, View v</a:t>
-            </a:r>
-            <a:r>
-              <a:rPr lang="en-US" altLang="zh-CN" sz="2400" b="1" smtClean="0">
+              <a:rPr lang="en-US" altLang="zh-CN" sz="2400" b="1" dirty="0">
+                <a:solidFill>
+                  <a:schemeClr val="tx1">
+                    <a:lumMod val="85000"/>
+                    <a:lumOff val="15000"/>
+                  </a:schemeClr>
+                </a:solidFill>
+                <a:latin typeface="Consolas" panose="020B0609020204030204" pitchFamily="49" charset="0"/>
+              </a:rPr>
+              <a:t>(</a:t>
+            </a:r>
+            <a:r>
+              <a:rPr lang="en-US" altLang="zh-CN" sz="2400" b="1" dirty="0" err="1">
+                <a:solidFill>
+                  <a:schemeClr val="tx1">
+                    <a:lumMod val="85000"/>
+                    <a:lumOff val="15000"/>
+                  </a:schemeClr>
+                </a:solidFill>
+                <a:latin typeface="Consolas" panose="020B0609020204030204" pitchFamily="49" charset="0"/>
+              </a:rPr>
+              <a:t>ContextMenu</a:t>
+            </a:r>
+            <a:r>
+              <a:rPr lang="en-US" altLang="zh-CN" sz="2400" b="1" dirty="0">
+                <a:solidFill>
+                  <a:schemeClr val="tx1">
+                    <a:lumMod val="85000"/>
+                    <a:lumOff val="15000"/>
+                  </a:schemeClr>
+                </a:solidFill>
+                <a:latin typeface="Consolas" panose="020B0609020204030204" pitchFamily="49" charset="0"/>
+              </a:rPr>
+              <a:t> menu, View v</a:t>
+            </a:r>
+            <a:r>
+              <a:rPr lang="en-US" altLang="zh-CN" sz="2400" b="1" dirty="0" smtClean="0">
                 <a:solidFill>
                   <a:schemeClr val="tx1">
                     <a:lumMod val="85000"/>
@@ -35951,7 +36033,7 @@
               <a:defRPr/>
             </a:pPr>
             <a:r>
-              <a:rPr lang="en-US" altLang="zh-CN" sz="2400" b="1">
+              <a:rPr lang="en-US" altLang="zh-CN" sz="2400" b="1" dirty="0">
                 <a:solidFill>
                   <a:schemeClr val="tx1">
                     <a:lumMod val="85000"/>
@@ -35963,7 +36045,7 @@
               <a:t> </a:t>
             </a:r>
             <a:r>
-              <a:rPr lang="en-US" altLang="zh-CN" sz="2400" b="1" smtClean="0">
+              <a:rPr lang="en-US" altLang="zh-CN" sz="2400" b="1" dirty="0" smtClean="0">
                 <a:solidFill>
                   <a:schemeClr val="tx1">
                     <a:lumMod val="85000"/>
@@ -35975,16 +36057,52 @@
               <a:t>                       </a:t>
             </a:r>
             <a:r>
-              <a:rPr lang="en-US" altLang="zh-CN" sz="2400" b="1">
-                <a:solidFill>
-                  <a:schemeClr val="tx1">
-                    <a:lumMod val="85000"/>
-                    <a:lumOff val="15000"/>
-                  </a:schemeClr>
-                </a:solidFill>
-                <a:latin typeface="Consolas" panose="020B0609020204030204" pitchFamily="49" charset="0"/>
-              </a:rPr>
-              <a:t>ContextMenu.ContextMenuInfo menuInfo) {</a:t>
+              <a:rPr lang="en-US" altLang="zh-CN" sz="2400" b="1" dirty="0" err="1">
+                <a:solidFill>
+                  <a:schemeClr val="tx1">
+                    <a:lumMod val="85000"/>
+                    <a:lumOff val="15000"/>
+                  </a:schemeClr>
+                </a:solidFill>
+                <a:latin typeface="Consolas" panose="020B0609020204030204" pitchFamily="49" charset="0"/>
+              </a:rPr>
+              <a:t>ContextMenu.ContextMenuInfo</a:t>
+            </a:r>
+            <a:r>
+              <a:rPr lang="en-US" altLang="zh-CN" sz="2400" b="1" dirty="0">
+                <a:solidFill>
+                  <a:schemeClr val="tx1">
+                    <a:lumMod val="85000"/>
+                    <a:lumOff val="15000"/>
+                  </a:schemeClr>
+                </a:solidFill>
+                <a:latin typeface="Consolas" panose="020B0609020204030204" pitchFamily="49" charset="0"/>
+              </a:rPr>
+              <a:t> </a:t>
+            </a:r>
+            <a:r>
+              <a:rPr lang="en-US" altLang="zh-CN" sz="2400" b="1" dirty="0" err="1">
+                <a:solidFill>
+                  <a:schemeClr val="tx1">
+                    <a:lumMod val="85000"/>
+                    <a:lumOff val="15000"/>
+                  </a:schemeClr>
+                </a:solidFill>
+                <a:latin typeface="Consolas" panose="020B0609020204030204" pitchFamily="49" charset="0"/>
+              </a:rPr>
+              <a:t>menuInfo</a:t>
+            </a:r>
+            <a:r>
+              <a:rPr lang="en-US" altLang="zh-CN" sz="2400" b="1" dirty="0">
+                <a:solidFill>
+                  <a:schemeClr val="tx1">
+                    <a:lumMod val="85000"/>
+                    <a:lumOff val="15000"/>
+                  </a:schemeClr>
+                </a:solidFill>
+                <a:latin typeface="Consolas" panose="020B0609020204030204" pitchFamily="49" charset="0"/>
+              </a:rPr>
+              <a:t>) {</a:t>
             </a:r>
           </a:p>
           <a:p>
@@ -35992,7 +36110,7 @@
               <a:defRPr/>
             </a:pPr>
             <a:r>
-              <a:rPr lang="en-US" altLang="zh-CN" sz="2400" b="1" smtClean="0">
+              <a:rPr lang="en-US" altLang="zh-CN" sz="2400" b="1" dirty="0" smtClean="0">
                 <a:solidFill>
                   <a:schemeClr val="tx1">
                     <a:lumMod val="85000"/>
@@ -36004,7 +36122,7 @@
               <a:t>    </a:t>
             </a:r>
             <a:r>
-              <a:rPr lang="en-US" altLang="zh-CN" sz="2400" b="1" smtClean="0">
+              <a:rPr lang="en-US" altLang="zh-CN" sz="2400" b="1" dirty="0" err="1" smtClean="0">
                 <a:solidFill>
                   <a:srgbClr val="C00000"/>
                 </a:solidFill>
@@ -36013,13 +36131,31 @@
               <a:t>getMenuInflater</a:t>
             </a:r>
             <a:r>
-              <a:rPr lang="en-US" altLang="zh-CN" sz="2400" b="1">
+              <a:rPr lang="en-US" altLang="zh-CN" sz="2400" b="1" dirty="0">
                 <a:solidFill>
                   <a:srgbClr val="C00000"/>
                 </a:solidFill>
                 <a:latin typeface="Consolas" panose="020B0609020204030204" pitchFamily="49" charset="0"/>
               </a:rPr>
-              <a:t>().inflate(R.menu.menu_options, menu);</a:t>
+              <a:t>().inflate(</a:t>
+            </a:r>
+            <a:r>
+              <a:rPr lang="en-US" altLang="zh-CN" sz="2400" b="1" dirty="0" err="1">
+                <a:solidFill>
+                  <a:srgbClr val="C00000"/>
+                </a:solidFill>
+                <a:latin typeface="Consolas" panose="020B0609020204030204" pitchFamily="49" charset="0"/>
+              </a:rPr>
+              <a:t>R.menu.menu_options</a:t>
+            </a:r>
+            <a:r>
+              <a:rPr lang="en-US" altLang="zh-CN" sz="2400" b="1" dirty="0">
+                <a:solidFill>
+                  <a:srgbClr val="C00000"/>
+                </a:solidFill>
+                <a:latin typeface="Consolas" panose="020B0609020204030204" pitchFamily="49" charset="0"/>
+              </a:rPr>
+              <a:t>, menu);</a:t>
             </a:r>
           </a:p>
           <a:p>
@@ -36027,28 +36163,76 @@
               <a:defRPr/>
             </a:pPr>
             <a:r>
-              <a:rPr lang="en-US" altLang="zh-CN" sz="2400" b="1" smtClean="0">
-                <a:solidFill>
-                  <a:schemeClr val="tx1">
-                    <a:lumMod val="85000"/>
-                    <a:lumOff val="15000"/>
-                  </a:schemeClr>
-                </a:solidFill>
-                <a:latin typeface="Consolas" panose="020B0609020204030204" pitchFamily="49" charset="0"/>
-              </a:rPr>
-              <a:t>    super.onCreateContextMenu(menu</a:t>
-            </a:r>
-            <a:r>
-              <a:rPr lang="en-US" altLang="zh-CN" sz="2400" b="1">
-                <a:solidFill>
-                  <a:schemeClr val="tx1">
-                    <a:lumMod val="85000"/>
-                    <a:lumOff val="15000"/>
-                  </a:schemeClr>
-                </a:solidFill>
-                <a:latin typeface="Consolas" panose="020B0609020204030204" pitchFamily="49" charset="0"/>
-              </a:rPr>
-              <a:t>, v, menuInfo);</a:t>
+              <a:rPr lang="en-US" altLang="zh-CN" sz="2400" b="1" dirty="0" smtClean="0">
+                <a:solidFill>
+                  <a:schemeClr val="tx1">
+                    <a:lumMod val="85000"/>
+                    <a:lumOff val="15000"/>
+                  </a:schemeClr>
+                </a:solidFill>
+                <a:latin typeface="Consolas" panose="020B0609020204030204" pitchFamily="49" charset="0"/>
+              </a:rPr>
+              <a:t>    </a:t>
+            </a:r>
+            <a:r>
+              <a:rPr lang="en-US" altLang="zh-CN" sz="2400" b="1" dirty="0" err="1" smtClean="0">
+                <a:solidFill>
+                  <a:schemeClr val="tx1">
+                    <a:lumMod val="85000"/>
+                    <a:lumOff val="15000"/>
+                  </a:schemeClr>
+                </a:solidFill>
+                <a:latin typeface="Consolas" panose="020B0609020204030204" pitchFamily="49" charset="0"/>
+              </a:rPr>
+              <a:t>super.onCreateContextMenu</a:t>
+            </a:r>
+            <a:r>
+              <a:rPr lang="en-US" altLang="zh-CN" sz="2400" b="1" dirty="0" smtClean="0">
+                <a:solidFill>
+                  <a:schemeClr val="tx1">
+                    <a:lumMod val="85000"/>
+                    <a:lumOff val="15000"/>
+                  </a:schemeClr>
+                </a:solidFill>
+                <a:latin typeface="Consolas" panose="020B0609020204030204" pitchFamily="49" charset="0"/>
+              </a:rPr>
+              <a:t>(menu</a:t>
+            </a:r>
+            <a:r>
+              <a:rPr lang="en-US" altLang="zh-CN" sz="2400" b="1" dirty="0">
+                <a:solidFill>
+                  <a:schemeClr val="tx1">
+                    <a:lumMod val="85000"/>
+                    <a:lumOff val="15000"/>
+                  </a:schemeClr>
+                </a:solidFill>
+                <a:latin typeface="Consolas" panose="020B0609020204030204" pitchFamily="49" charset="0"/>
+              </a:rPr>
+              <a:t>, v, </a:t>
+            </a:r>
+            <a:r>
+              <a:rPr lang="en-US" altLang="zh-CN" sz="2400" b="1" dirty="0" err="1">
+                <a:solidFill>
+                  <a:schemeClr val="tx1">
+                    <a:lumMod val="85000"/>
+                    <a:lumOff val="15000"/>
+                  </a:schemeClr>
+                </a:solidFill>
+                <a:latin typeface="Consolas" panose="020B0609020204030204" pitchFamily="49" charset="0"/>
+              </a:rPr>
+              <a:t>menuInfo</a:t>
+            </a:r>
+            <a:r>
+              <a:rPr lang="en-US" altLang="zh-CN" sz="2400" b="1" dirty="0">
+                <a:solidFill>
+                  <a:schemeClr val="tx1">
+                    <a:lumMod val="85000"/>
+                    <a:lumOff val="15000"/>
+                  </a:schemeClr>
+                </a:solidFill>
+                <a:latin typeface="Consolas" panose="020B0609020204030204" pitchFamily="49" charset="0"/>
+              </a:rPr>
+              <a:t>);</a:t>
             </a:r>
           </a:p>
           <a:p>
@@ -36056,7 +36240,7 @@
               <a:defRPr/>
             </a:pPr>
             <a:r>
-              <a:rPr lang="en-US" altLang="zh-CN" sz="2400" b="1" smtClean="0">
+              <a:rPr lang="en-US" altLang="zh-CN" sz="2400" b="1" dirty="0" smtClean="0">
                 <a:solidFill>
                   <a:schemeClr val="tx1">
                     <a:lumMod val="85000"/>
@@ -36067,7 +36251,7 @@
               </a:rPr>
               <a:t>}</a:t>
             </a:r>
-            <a:endParaRPr lang="en-US" altLang="zh-CN" sz="2400" b="1">
+            <a:endParaRPr lang="en-US" altLang="zh-CN" sz="2400" b="1" dirty="0">
               <a:solidFill>
                 <a:srgbClr val="00642D"/>
               </a:solidFill>
@@ -38012,16 +38196,100 @@
               <a:defRPr/>
             </a:pPr>
             <a:r>
-              <a:rPr lang="en-US" altLang="zh-CN" sz="2400" b="1">
-                <a:solidFill>
-                  <a:schemeClr val="tx1">
-                    <a:lumMod val="85000"/>
-                    <a:lumOff val="15000"/>
-                  </a:schemeClr>
-                </a:solidFill>
-                <a:latin typeface="Consolas" panose="020B0609020204030204" pitchFamily="49" charset="0"/>
-              </a:rPr>
-              <a:t>TextView textView = findViewById(R.id.copy_text);</a:t>
+              <a:rPr lang="en-US" altLang="zh-CN" sz="2400" b="1" dirty="0" err="1">
+                <a:solidFill>
+                  <a:schemeClr val="tx1">
+                    <a:lumMod val="85000"/>
+                    <a:lumOff val="15000"/>
+                  </a:schemeClr>
+                </a:solidFill>
+                <a:latin typeface="Consolas" panose="020B0609020204030204" pitchFamily="49" charset="0"/>
+              </a:rPr>
+              <a:t>TextView</a:t>
+            </a:r>
+            <a:r>
+              <a:rPr lang="en-US" altLang="zh-CN" sz="2400" b="1" dirty="0">
+                <a:solidFill>
+                  <a:schemeClr val="tx1">
+                    <a:lumMod val="85000"/>
+                    <a:lumOff val="15000"/>
+                  </a:schemeClr>
+                </a:solidFill>
+                <a:latin typeface="Consolas" panose="020B0609020204030204" pitchFamily="49" charset="0"/>
+              </a:rPr>
+              <a:t> </a:t>
+            </a:r>
+            <a:r>
+              <a:rPr lang="en-US" altLang="zh-CN" sz="2400" b="1" dirty="0" err="1">
+                <a:solidFill>
+                  <a:schemeClr val="tx1">
+                    <a:lumMod val="85000"/>
+                    <a:lumOff val="15000"/>
+                  </a:schemeClr>
+                </a:solidFill>
+                <a:latin typeface="Consolas" panose="020B0609020204030204" pitchFamily="49" charset="0"/>
+              </a:rPr>
+              <a:t>textView</a:t>
+            </a:r>
+            <a:r>
+              <a:rPr lang="en-US" altLang="zh-CN" sz="2400" b="1" dirty="0">
+                <a:solidFill>
+                  <a:schemeClr val="tx1">
+                    <a:lumMod val="85000"/>
+                    <a:lumOff val="15000"/>
+                  </a:schemeClr>
+                </a:solidFill>
+                <a:latin typeface="Consolas" panose="020B0609020204030204" pitchFamily="49" charset="0"/>
+              </a:rPr>
+              <a:t> = </a:t>
+            </a:r>
+            <a:r>
+              <a:rPr lang="en-US" altLang="zh-CN" sz="2400" b="1" dirty="0" err="1">
+                <a:solidFill>
+                  <a:schemeClr val="tx1">
+                    <a:lumMod val="85000"/>
+                    <a:lumOff val="15000"/>
+                  </a:schemeClr>
+                </a:solidFill>
+                <a:latin typeface="Consolas" panose="020B0609020204030204" pitchFamily="49" charset="0"/>
+              </a:rPr>
+              <a:t>findViewById</a:t>
+            </a:r>
+            <a:r>
+              <a:rPr lang="en-US" altLang="zh-CN" sz="2400" b="1" dirty="0">
+                <a:solidFill>
+                  <a:schemeClr val="tx1">
+                    <a:lumMod val="85000"/>
+                    <a:lumOff val="15000"/>
+                  </a:schemeClr>
+                </a:solidFill>
+                <a:latin typeface="Consolas" panose="020B0609020204030204" pitchFamily="49" charset="0"/>
+              </a:rPr>
+              <a:t>(</a:t>
+            </a:r>
+            <a:r>
+              <a:rPr lang="en-US" altLang="zh-CN" sz="2400" b="1" dirty="0" err="1">
+                <a:solidFill>
+                  <a:schemeClr val="tx1">
+                    <a:lumMod val="85000"/>
+                    <a:lumOff val="15000"/>
+                  </a:schemeClr>
+                </a:solidFill>
+                <a:latin typeface="Consolas" panose="020B0609020204030204" pitchFamily="49" charset="0"/>
+              </a:rPr>
+              <a:t>R.id.copy_text</a:t>
+            </a:r>
+            <a:r>
+              <a:rPr lang="en-US" altLang="zh-CN" sz="2400" b="1" dirty="0">
+                <a:solidFill>
+                  <a:schemeClr val="tx1">
+                    <a:lumMod val="85000"/>
+                    <a:lumOff val="15000"/>
+                  </a:schemeClr>
+                </a:solidFill>
+                <a:latin typeface="Consolas" panose="020B0609020204030204" pitchFamily="49" charset="0"/>
+              </a:rPr>
+              <a:t>);</a:t>
             </a:r>
           </a:p>
           <a:p>
@@ -38029,7 +38297,7 @@
               <a:defRPr/>
             </a:pPr>
             <a:r>
-              <a:rPr lang="en-US" altLang="zh-CN" sz="2400" b="1" smtClean="0">
+              <a:rPr lang="en-US" altLang="zh-CN" sz="2400" b="1" dirty="0" err="1" smtClean="0">
                 <a:solidFill>
                   <a:srgbClr val="C00000"/>
                 </a:solidFill>
@@ -38038,19 +38306,31 @@
               <a:t>registerForContextMenu</a:t>
             </a:r>
             <a:r>
-              <a:rPr lang="en-US" altLang="zh-CN" sz="2400" b="1" smtClean="0">
-                <a:solidFill>
-                  <a:schemeClr val="tx1">
-                    <a:lumMod val="85000"/>
-                    <a:lumOff val="15000"/>
-                  </a:schemeClr>
-                </a:solidFill>
-                <a:latin typeface="Consolas" panose="020B0609020204030204" pitchFamily="49" charset="0"/>
-              </a:rPr>
-              <a:t>(textView</a:t>
-            </a:r>
-            <a:r>
-              <a:rPr lang="en-US" altLang="zh-CN" sz="2400" b="1">
+              <a:rPr lang="en-US" altLang="zh-CN" sz="2400" b="1" dirty="0" smtClean="0">
+                <a:solidFill>
+                  <a:schemeClr val="tx1">
+                    <a:lumMod val="85000"/>
+                    <a:lumOff val="15000"/>
+                  </a:schemeClr>
+                </a:solidFill>
+                <a:latin typeface="Consolas" panose="020B0609020204030204" pitchFamily="49" charset="0"/>
+              </a:rPr>
+              <a:t>(</a:t>
+            </a:r>
+            <a:r>
+              <a:rPr lang="en-US" altLang="zh-CN" sz="2400" b="1" dirty="0" err="1" smtClean="0">
+                <a:solidFill>
+                  <a:schemeClr val="tx1">
+                    <a:lumMod val="85000"/>
+                    <a:lumOff val="15000"/>
+                  </a:schemeClr>
+                </a:solidFill>
+                <a:latin typeface="Consolas" panose="020B0609020204030204" pitchFamily="49" charset="0"/>
+              </a:rPr>
+              <a:t>textView</a:t>
+            </a:r>
+            <a:r>
+              <a:rPr lang="en-US" altLang="zh-CN" sz="2400" b="1" dirty="0">
                 <a:solidFill>
                   <a:schemeClr val="tx1">
                     <a:lumMod val="85000"/>
@@ -38061,7 +38341,7 @@
               </a:rPr>
               <a:t>);</a:t>
             </a:r>
-            <a:endParaRPr lang="en-US" altLang="zh-CN" sz="2400" b="1">
+            <a:endParaRPr lang="en-US" altLang="zh-CN" sz="2400" b="1" dirty="0">
               <a:solidFill>
                 <a:srgbClr val="00642D"/>
               </a:solidFill>
@@ -38236,7 +38516,7 @@
               <a:defRPr/>
             </a:pPr>
             <a:r>
-              <a:rPr lang="en-US" altLang="zh-CN" sz="3200" smtClean="0">
+              <a:rPr lang="en-US" altLang="zh-CN" sz="3200" dirty="0" err="1" smtClean="0">
                 <a:solidFill>
                   <a:schemeClr val="tx1">
                     <a:lumMod val="85000"/>
@@ -38247,7 +38527,7 @@
               <a:t>ContextMenu</a:t>
             </a:r>
             <a:r>
-              <a:rPr lang="zh-CN" altLang="en-US" sz="3200" smtClean="0">
+              <a:rPr lang="zh-CN" altLang="en-US" sz="3200" dirty="0" smtClean="0">
                 <a:solidFill>
                   <a:schemeClr val="tx1">
                     <a:lumMod val="85000"/>
@@ -38258,7 +38538,7 @@
               <a:t>必须通过</a:t>
             </a:r>
             <a:r>
-              <a:rPr lang="en-US" altLang="zh-CN" sz="3200" smtClean="0">
+              <a:rPr lang="en-US" altLang="zh-CN" sz="3200" dirty="0" smtClean="0">
                 <a:solidFill>
                   <a:schemeClr val="tx1">
                     <a:lumMod val="85000"/>
@@ -38269,7 +38549,7 @@
               <a:t>Activity</a:t>
             </a:r>
             <a:r>
-              <a:rPr lang="zh-CN" altLang="en-US" sz="3200" smtClean="0">
+              <a:rPr lang="zh-CN" altLang="en-US" sz="3200" dirty="0" smtClean="0">
                 <a:solidFill>
                   <a:schemeClr val="tx1">
                     <a:lumMod val="85000"/>
@@ -38280,18 +38560,29 @@
               <a:t>的 </a:t>
             </a:r>
             <a:r>
-              <a:rPr lang="en-US" altLang="zh-CN" sz="3200" smtClean="0">
-                <a:solidFill>
-                  <a:schemeClr val="tx1">
-                    <a:lumMod val="85000"/>
-                    <a:lumOff val="15000"/>
-                  </a:schemeClr>
-                </a:solidFill>
-              </a:rPr>
-              <a:t>registerForContextMenu(View</a:t>
-            </a:r>
-            <a:r>
-              <a:rPr lang="en-US" altLang="zh-CN" sz="3200">
+              <a:rPr lang="en-US" altLang="zh-CN" sz="3200" dirty="0" err="1" smtClean="0">
+                <a:solidFill>
+                  <a:schemeClr val="tx1">
+                    <a:lumMod val="85000"/>
+                    <a:lumOff val="15000"/>
+                  </a:schemeClr>
+                </a:solidFill>
+              </a:rPr>
+              <a:t>registerForContextMenu</a:t>
+            </a:r>
+            <a:r>
+              <a:rPr lang="en-US" altLang="zh-CN" sz="3200" dirty="0" smtClean="0">
+                <a:solidFill>
+                  <a:schemeClr val="tx1">
+                    <a:lumMod val="85000"/>
+                    <a:lumOff val="15000"/>
+                  </a:schemeClr>
+                </a:solidFill>
+              </a:rPr>
+              <a:t>(View</a:t>
+            </a:r>
+            <a:r>
+              <a:rPr lang="en-US" altLang="zh-CN" sz="3200" dirty="0">
                 <a:solidFill>
                   <a:schemeClr val="tx1">
                     <a:lumMod val="85000"/>
@@ -38302,7 +38593,7 @@
               <a:t>)</a:t>
             </a:r>
             <a:r>
-              <a:rPr lang="zh-CN" altLang="en-US" sz="3200">
+              <a:rPr lang="zh-CN" altLang="en-US" sz="3200" dirty="0">
                 <a:solidFill>
                   <a:schemeClr val="tx1">
                     <a:lumMod val="85000"/>
@@ -38313,7 +38604,7 @@
               <a:t>来进行注册，而</a:t>
             </a:r>
             <a:r>
-              <a:rPr lang="en-US" altLang="zh-CN" sz="3200">
+              <a:rPr lang="en-US" altLang="zh-CN" sz="3200" dirty="0" err="1">
                 <a:solidFill>
                   <a:schemeClr val="tx1">
                     <a:lumMod val="85000"/>
@@ -38324,7 +38615,7 @@
               <a:t>OptionsMenu</a:t>
             </a:r>
             <a:r>
-              <a:rPr lang="zh-CN" altLang="en-US" sz="3200">
+              <a:rPr lang="zh-CN" altLang="en-US" sz="3200" dirty="0">
                 <a:solidFill>
                   <a:schemeClr val="tx1">
                     <a:lumMod val="85000"/>
@@ -38707,6 +38998,13 @@
   <p:clrMapOvr>
     <a:masterClrMapping/>
   </p:clrMapOvr>
+  <p:timing>
+    <p:tnLst>
+      <p:par>
+        <p:cTn id="1" dur="indefinite" restart="never" nodeType="tmRoot"/>
+      </p:par>
+    </p:tnLst>
+  </p:timing>
 </p:sld>
 </file>
 
@@ -39788,7 +40086,7 @@
           <a:lstStyle/>
           <a:p>
             <a:r>
-              <a:rPr lang="zh-CN" altLang="en-US" sz="3200" smtClean="0">
+              <a:rPr lang="zh-CN" altLang="en-US" sz="3200" dirty="0" smtClean="0">
                 <a:solidFill>
                   <a:schemeClr val="tx1">
                     <a:lumMod val="85000"/>
@@ -39799,7 +40097,7 @@
               <a:t>给指定</a:t>
             </a:r>
             <a:r>
-              <a:rPr lang="en-US" altLang="zh-CN" sz="3200" smtClean="0">
+              <a:rPr lang="en-US" altLang="zh-CN" sz="3200" dirty="0" smtClean="0">
                 <a:solidFill>
                   <a:schemeClr val="tx1">
                     <a:lumMod val="85000"/>
@@ -39810,7 +40108,7 @@
               <a:t>Button</a:t>
             </a:r>
             <a:r>
-              <a:rPr lang="zh-CN" altLang="en-US" sz="3200" smtClean="0">
+              <a:rPr lang="zh-CN" altLang="en-US" sz="3200" dirty="0" smtClean="0">
                 <a:solidFill>
                   <a:schemeClr val="tx1">
                     <a:lumMod val="85000"/>
@@ -39820,7 +40118,7 @@
               </a:rPr>
               <a:t>创建弹出弹出菜单对象；</a:t>
             </a:r>
-            <a:endParaRPr lang="en-US" altLang="zh-CN" sz="3200" smtClean="0">
+            <a:endParaRPr lang="en-US" altLang="zh-CN" sz="3200" dirty="0" smtClean="0">
               <a:solidFill>
                 <a:schemeClr val="tx1">
                   <a:lumMod val="85000"/>
@@ -39831,7 +40129,7 @@
           </a:p>
           <a:p>
             <a:r>
-              <a:rPr lang="zh-CN" altLang="en-US" sz="3200" smtClean="0">
+              <a:rPr lang="zh-CN" altLang="en-US" sz="3200" dirty="0" smtClean="0">
                 <a:solidFill>
                   <a:schemeClr val="tx1">
                     <a:lumMod val="85000"/>
@@ -39842,7 +40140,7 @@
               <a:t>通过</a:t>
             </a:r>
             <a:r>
-              <a:rPr lang="en-US" altLang="zh-CN" sz="3200" smtClean="0">
+              <a:rPr lang="en-US" altLang="zh-CN" sz="3200" dirty="0" smtClean="0">
                 <a:solidFill>
                   <a:schemeClr val="tx1">
                     <a:lumMod val="85000"/>
@@ -39853,7 +40151,7 @@
               <a:t>XML</a:t>
             </a:r>
             <a:r>
-              <a:rPr lang="zh-CN" altLang="en-US" sz="3200" smtClean="0">
+              <a:rPr lang="zh-CN" altLang="en-US" sz="3200" dirty="0" smtClean="0">
                 <a:solidFill>
                   <a:schemeClr val="tx1">
                     <a:lumMod val="85000"/>
@@ -39934,7 +40232,7 @@
               <a:defRPr/>
             </a:pPr>
             <a:r>
-              <a:rPr lang="en-US" altLang="zh-CN" sz="2400" b="1" smtClean="0">
+              <a:rPr lang="en-US" altLang="zh-CN" sz="2400" b="1" dirty="0" smtClean="0">
                 <a:solidFill>
                   <a:srgbClr val="00642D"/>
                 </a:solidFill>
@@ -39943,7 +40241,7 @@
               <a:t>// </a:t>
             </a:r>
             <a:r>
-              <a:rPr lang="zh-CN" altLang="en-US" sz="2400" smtClean="0">
+              <a:rPr lang="zh-CN" altLang="en-US" sz="2400" dirty="0" smtClean="0">
                 <a:solidFill>
                   <a:srgbClr val="00642D"/>
                 </a:solidFill>
@@ -39953,7 +40251,7 @@
               <a:t>给</a:t>
             </a:r>
             <a:r>
-              <a:rPr lang="en-US" altLang="zh-CN" sz="2400" smtClean="0">
+              <a:rPr lang="en-US" altLang="zh-CN" sz="2400" dirty="0" smtClean="0">
                 <a:solidFill>
                   <a:srgbClr val="00642D"/>
                 </a:solidFill>
@@ -39963,7 +40261,7 @@
               <a:t>Button</a:t>
             </a:r>
             <a:r>
-              <a:rPr lang="zh-CN" altLang="en-US" sz="2400" smtClean="0">
+              <a:rPr lang="zh-CN" altLang="en-US" sz="2400" dirty="0" smtClean="0">
                 <a:solidFill>
                   <a:srgbClr val="00642D"/>
                 </a:solidFill>
@@ -39973,7 +40271,7 @@
               <a:t>创建</a:t>
             </a:r>
             <a:r>
-              <a:rPr lang="zh-CN" altLang="en-US" sz="2400">
+              <a:rPr lang="zh-CN" altLang="en-US" sz="2400" dirty="0">
                 <a:solidFill>
                   <a:srgbClr val="00642D"/>
                 </a:solidFill>
@@ -39983,7 +40281,7 @@
               <a:t>弹</a:t>
             </a:r>
             <a:r>
-              <a:rPr lang="zh-CN" altLang="en-US" sz="2400" smtClean="0">
+              <a:rPr lang="zh-CN" altLang="en-US" sz="2400" dirty="0" smtClean="0">
                 <a:solidFill>
                   <a:srgbClr val="00642D"/>
                 </a:solidFill>
@@ -39992,7 +40290,7 @@
               </a:rPr>
               <a:t>出菜单</a:t>
             </a:r>
-            <a:endParaRPr lang="en-US" altLang="zh-CN" sz="2400" smtClean="0">
+            <a:endParaRPr lang="en-US" altLang="zh-CN" sz="2400" dirty="0" smtClean="0">
               <a:solidFill>
                 <a:srgbClr val="00642D"/>
               </a:solidFill>
@@ -40005,30 +40303,54 @@
               <a:defRPr/>
             </a:pPr>
             <a:r>
-              <a:rPr lang="en-US" altLang="zh-CN" sz="2400" b="1" smtClean="0">
-                <a:solidFill>
-                  <a:schemeClr val="tx1">
-                    <a:lumMod val="85000"/>
-                    <a:lumOff val="15000"/>
-                  </a:schemeClr>
-                </a:solidFill>
-                <a:latin typeface="Consolas" panose="020B0609020204030204" pitchFamily="49" charset="0"/>
-              </a:rPr>
-              <a:t>PopupMenu </a:t>
-            </a:r>
-            <a:r>
-              <a:rPr lang="en-US" altLang="zh-CN" sz="2400" b="1">
-                <a:solidFill>
-                  <a:schemeClr val="tx1">
-                    <a:lumMod val="85000"/>
-                    <a:lumOff val="15000"/>
-                  </a:schemeClr>
-                </a:solidFill>
-                <a:latin typeface="Consolas" panose="020B0609020204030204" pitchFamily="49" charset="0"/>
-              </a:rPr>
-              <a:t>popupMenu </a:t>
-            </a:r>
-            <a:endParaRPr lang="en-US" altLang="zh-CN" sz="2400" b="1" smtClean="0">
+              <a:rPr lang="en-US" altLang="zh-CN" sz="2400" b="1" dirty="0" err="1" smtClean="0">
+                <a:solidFill>
+                  <a:schemeClr val="tx1">
+                    <a:lumMod val="85000"/>
+                    <a:lumOff val="15000"/>
+                  </a:schemeClr>
+                </a:solidFill>
+                <a:latin typeface="Consolas" panose="020B0609020204030204" pitchFamily="49" charset="0"/>
+              </a:rPr>
+              <a:t>PopupMenu</a:t>
+            </a:r>
+            <a:r>
+              <a:rPr lang="en-US" altLang="zh-CN" sz="2400" b="1" dirty="0" smtClean="0">
+                <a:solidFill>
+                  <a:schemeClr val="tx1">
+                    <a:lumMod val="85000"/>
+                    <a:lumOff val="15000"/>
+                  </a:schemeClr>
+                </a:solidFill>
+                <a:latin typeface="Consolas" panose="020B0609020204030204" pitchFamily="49" charset="0"/>
+              </a:rPr>
+              <a:t> </a:t>
+            </a:r>
+            <a:r>
+              <a:rPr lang="en-US" altLang="zh-CN" sz="2400" b="1" dirty="0" err="1">
+                <a:solidFill>
+                  <a:schemeClr val="tx1">
+                    <a:lumMod val="85000"/>
+                    <a:lumOff val="15000"/>
+                  </a:schemeClr>
+                </a:solidFill>
+                <a:latin typeface="Consolas" panose="020B0609020204030204" pitchFamily="49" charset="0"/>
+              </a:rPr>
+              <a:t>popupMenu</a:t>
+            </a:r>
+            <a:r>
+              <a:rPr lang="en-US" altLang="zh-CN" sz="2400" b="1" dirty="0">
+                <a:solidFill>
+                  <a:schemeClr val="tx1">
+                    <a:lumMod val="85000"/>
+                    <a:lumOff val="15000"/>
+                  </a:schemeClr>
+                </a:solidFill>
+                <a:latin typeface="Consolas" panose="020B0609020204030204" pitchFamily="49" charset="0"/>
+              </a:rPr>
+              <a:t> </a:t>
+            </a:r>
+            <a:endParaRPr lang="en-US" altLang="zh-CN" sz="2400" b="1" dirty="0" smtClean="0">
               <a:solidFill>
                 <a:schemeClr val="tx1">
                   <a:lumMod val="85000"/>
@@ -40043,7 +40365,7 @@
               <a:defRPr/>
             </a:pPr>
             <a:r>
-              <a:rPr lang="en-US" altLang="zh-CN" sz="2400" b="1">
+              <a:rPr lang="en-US" altLang="zh-CN" sz="2400" b="1" dirty="0">
                 <a:solidFill>
                   <a:schemeClr val="tx1">
                     <a:lumMod val="85000"/>
@@ -40055,7 +40377,7 @@
               <a:t> </a:t>
             </a:r>
             <a:r>
-              <a:rPr lang="en-US" altLang="zh-CN" sz="2400" b="1" smtClean="0">
+              <a:rPr lang="en-US" altLang="zh-CN" sz="2400" b="1" dirty="0" smtClean="0">
                 <a:solidFill>
                   <a:schemeClr val="tx1">
                     <a:lumMod val="85000"/>
@@ -40067,19 +40389,79 @@
               <a:t>   = </a:t>
             </a:r>
             <a:r>
-              <a:rPr lang="en-US" altLang="zh-CN" sz="2400" b="1">
-                <a:solidFill>
-                  <a:schemeClr val="tx1">
-                    <a:lumMod val="85000"/>
-                    <a:lumOff val="15000"/>
-                  </a:schemeClr>
-                </a:solidFill>
-                <a:latin typeface="Consolas" panose="020B0609020204030204" pitchFamily="49" charset="0"/>
-              </a:rPr>
-              <a:t>new PopupMenu(getApplicationContext(), btn</a:t>
-            </a:r>
-            <a:r>
-              <a:rPr lang="en-US" altLang="zh-CN" sz="2400" b="1" smtClean="0">
+              <a:rPr lang="en-US" altLang="zh-CN" sz="2400" b="1" dirty="0">
+                <a:solidFill>
+                  <a:schemeClr val="tx1">
+                    <a:lumMod val="85000"/>
+                    <a:lumOff val="15000"/>
+                  </a:schemeClr>
+                </a:solidFill>
+                <a:latin typeface="Consolas" panose="020B0609020204030204" pitchFamily="49" charset="0"/>
+              </a:rPr>
+              <a:t>new </a:t>
+            </a:r>
+            <a:r>
+              <a:rPr lang="en-US" altLang="zh-CN" sz="2400" b="1" dirty="0" err="1">
+                <a:solidFill>
+                  <a:schemeClr val="tx1">
+                    <a:lumMod val="85000"/>
+                    <a:lumOff val="15000"/>
+                  </a:schemeClr>
+                </a:solidFill>
+                <a:latin typeface="Consolas" panose="020B0609020204030204" pitchFamily="49" charset="0"/>
+              </a:rPr>
+              <a:t>PopupMenu</a:t>
+            </a:r>
+            <a:r>
+              <a:rPr lang="en-US" altLang="zh-CN" sz="2400" b="1" dirty="0">
+                <a:solidFill>
+                  <a:schemeClr val="tx1">
+                    <a:lumMod val="85000"/>
+                    <a:lumOff val="15000"/>
+                  </a:schemeClr>
+                </a:solidFill>
+                <a:latin typeface="Consolas" panose="020B0609020204030204" pitchFamily="49" charset="0"/>
+              </a:rPr>
+              <a:t>(</a:t>
+            </a:r>
+            <a:r>
+              <a:rPr lang="en-US" altLang="zh-CN" sz="2400" b="1" dirty="0" err="1">
+                <a:solidFill>
+                  <a:schemeClr val="tx1">
+                    <a:lumMod val="85000"/>
+                    <a:lumOff val="15000"/>
+                  </a:schemeClr>
+                </a:solidFill>
+                <a:latin typeface="Consolas" panose="020B0609020204030204" pitchFamily="49" charset="0"/>
+              </a:rPr>
+              <a:t>getApplicationContext</a:t>
+            </a:r>
+            <a:r>
+              <a:rPr lang="en-US" altLang="zh-CN" sz="2400" b="1" dirty="0">
+                <a:solidFill>
+                  <a:schemeClr val="tx1">
+                    <a:lumMod val="85000"/>
+                    <a:lumOff val="15000"/>
+                  </a:schemeClr>
+                </a:solidFill>
+                <a:latin typeface="Consolas" panose="020B0609020204030204" pitchFamily="49" charset="0"/>
+              </a:rPr>
+              <a:t>(), </a:t>
+            </a:r>
+            <a:r>
+              <a:rPr lang="en-US" altLang="zh-CN" sz="2400" b="1" dirty="0" err="1">
+                <a:solidFill>
+                  <a:schemeClr val="tx1">
+                    <a:lumMod val="85000"/>
+                    <a:lumOff val="15000"/>
+                  </a:schemeClr>
+                </a:solidFill>
+                <a:latin typeface="Consolas" panose="020B0609020204030204" pitchFamily="49" charset="0"/>
+              </a:rPr>
+              <a:t>btn</a:t>
+            </a:r>
+            <a:r>
+              <a:rPr lang="en-US" altLang="zh-CN" sz="2400" b="1" dirty="0" smtClean="0">
                 <a:solidFill>
                   <a:schemeClr val="tx1">
                     <a:lumMod val="85000"/>
@@ -40095,7 +40477,7 @@
             <a:pPr>
               <a:defRPr/>
             </a:pPr>
-            <a:endParaRPr lang="en-US" altLang="zh-CN" sz="2400" b="1" smtClean="0">
+            <a:endParaRPr lang="en-US" altLang="zh-CN" sz="2400" b="1" dirty="0" smtClean="0">
               <a:solidFill>
                 <a:schemeClr val="tx1">
                   <a:lumMod val="85000"/>
@@ -40110,7 +40492,7 @@
               <a:defRPr/>
             </a:pPr>
             <a:r>
-              <a:rPr lang="en-US" altLang="zh-CN" sz="2400" b="1" smtClean="0">
+              <a:rPr lang="en-US" altLang="zh-CN" sz="2400" b="1" dirty="0" smtClean="0">
                 <a:solidFill>
                   <a:srgbClr val="00642D"/>
                 </a:solidFill>
@@ -40119,7 +40501,7 @@
               <a:t>// </a:t>
             </a:r>
             <a:r>
-              <a:rPr lang="zh-CN" altLang="en-US" sz="2400" smtClean="0">
+              <a:rPr lang="zh-CN" altLang="en-US" sz="2400" dirty="0" smtClean="0">
                 <a:solidFill>
                   <a:srgbClr val="00642D"/>
                 </a:solidFill>
@@ -40129,7 +40511,7 @@
               <a:t>通过</a:t>
             </a:r>
             <a:r>
-              <a:rPr lang="en-US" altLang="zh-CN" sz="2400" smtClean="0">
+              <a:rPr lang="en-US" altLang="zh-CN" sz="2400" dirty="0" smtClean="0">
                 <a:solidFill>
                   <a:srgbClr val="00642D"/>
                 </a:solidFill>
@@ -40139,7 +40521,7 @@
               <a:t>XML</a:t>
             </a:r>
             <a:r>
-              <a:rPr lang="zh-CN" altLang="en-US" sz="2400" smtClean="0">
+              <a:rPr lang="zh-CN" altLang="en-US" sz="2400" dirty="0" smtClean="0">
                 <a:solidFill>
                   <a:srgbClr val="00642D"/>
                 </a:solidFill>
@@ -40148,7 +40530,7 @@
               </a:rPr>
               <a:t>文件对菜单进行填充</a:t>
             </a:r>
-            <a:endParaRPr lang="en-US" altLang="zh-CN" sz="2400">
+            <a:endParaRPr lang="en-US" altLang="zh-CN" sz="2400" dirty="0">
               <a:solidFill>
                 <a:srgbClr val="00642D"/>
               </a:solidFill>
@@ -40161,13 +40543,22 @@
               <a:defRPr/>
             </a:pPr>
             <a:r>
-              <a:rPr lang="en-US" altLang="zh-CN" sz="2400" b="1" smtClean="0">
+              <a:rPr lang="en-US" altLang="zh-CN" sz="2400" b="1" dirty="0" err="1" smtClean="0">
                 <a:solidFill>
                   <a:srgbClr val="C00000"/>
                 </a:solidFill>
                 <a:latin typeface="Consolas" panose="020B0609020204030204" pitchFamily="49" charset="0"/>
               </a:rPr>
-              <a:t>popupMenu.getMenuInflater()</a:t>
+              <a:t>popupMenu.getMenuInflater</a:t>
+            </a:r>
+            <a:r>
+              <a:rPr lang="en-US" altLang="zh-CN" sz="2400" b="1" dirty="0" smtClean="0">
+                <a:solidFill>
+                  <a:srgbClr val="C00000"/>
+                </a:solidFill>
+                <a:latin typeface="Consolas" panose="020B0609020204030204" pitchFamily="49" charset="0"/>
+              </a:rPr>
+              <a:t>()</a:t>
             </a:r>
           </a:p>
           <a:p>
@@ -40175,7 +40566,7 @@
               <a:defRPr/>
             </a:pPr>
             <a:r>
-              <a:rPr lang="en-US" altLang="zh-CN" sz="2400" b="1" smtClean="0">
+              <a:rPr lang="en-US" altLang="zh-CN" sz="2400" b="1" dirty="0" smtClean="0">
                 <a:solidFill>
                   <a:srgbClr val="C00000"/>
                 </a:solidFill>
@@ -40184,7 +40575,7 @@
               <a:t>    .</a:t>
             </a:r>
             <a:r>
-              <a:rPr lang="en-US" altLang="zh-CN" sz="2400" b="1">
+              <a:rPr lang="en-US" altLang="zh-CN" sz="2400" b="1" dirty="0">
                 <a:solidFill>
                   <a:srgbClr val="C00000"/>
                 </a:solidFill>
@@ -40193,18 +40584,66 @@
               <a:t>inflate</a:t>
             </a:r>
             <a:r>
-              <a:rPr lang="en-US" altLang="zh-CN" sz="2400" b="1">
-                <a:solidFill>
-                  <a:schemeClr val="tx1">
-                    <a:lumMod val="85000"/>
-                    <a:lumOff val="15000"/>
-                  </a:schemeClr>
-                </a:solidFill>
-                <a:latin typeface="Consolas" panose="020B0609020204030204" pitchFamily="49" charset="0"/>
-              </a:rPr>
-              <a:t>(R.menu.popup_menu, popupMenu.getMenu());</a:t>
-            </a:r>
-            <a:endParaRPr lang="en-US" altLang="zh-CN" sz="2400" b="1">
+              <a:rPr lang="en-US" altLang="zh-CN" sz="2400" b="1" dirty="0">
+                <a:solidFill>
+                  <a:schemeClr val="tx1">
+                    <a:lumMod val="85000"/>
+                    <a:lumOff val="15000"/>
+                  </a:schemeClr>
+                </a:solidFill>
+                <a:latin typeface="Consolas" panose="020B0609020204030204" pitchFamily="49" charset="0"/>
+              </a:rPr>
+              <a:t>(</a:t>
+            </a:r>
+            <a:r>
+              <a:rPr lang="en-US" altLang="zh-CN" sz="2400" b="1" dirty="0" err="1">
+                <a:solidFill>
+                  <a:schemeClr val="tx1">
+                    <a:lumMod val="85000"/>
+                    <a:lumOff val="15000"/>
+                  </a:schemeClr>
+                </a:solidFill>
+                <a:latin typeface="Consolas" panose="020B0609020204030204" pitchFamily="49" charset="0"/>
+              </a:rPr>
+              <a:t>R.menu.popup_menu</a:t>
+            </a:r>
+            <a:r>
+              <a:rPr lang="en-US" altLang="zh-CN" sz="2400" b="1" dirty="0">
+                <a:solidFill>
+                  <a:schemeClr val="tx1">
+                    <a:lumMod val="85000"/>
+                    <a:lumOff val="15000"/>
+                  </a:schemeClr>
+                </a:solidFill>
+                <a:latin typeface="Consolas" panose="020B0609020204030204" pitchFamily="49" charset="0"/>
+              </a:rPr>
+              <a:t>, </a:t>
+            </a:r>
+            <a:r>
+              <a:rPr lang="en-US" altLang="zh-CN" sz="2400" b="1" dirty="0" err="1">
+                <a:solidFill>
+                  <a:schemeClr val="tx1">
+                    <a:lumMod val="85000"/>
+                    <a:lumOff val="15000"/>
+                  </a:schemeClr>
+                </a:solidFill>
+                <a:latin typeface="Consolas" panose="020B0609020204030204" pitchFamily="49" charset="0"/>
+              </a:rPr>
+              <a:t>popupMenu.getMenu</a:t>
+            </a:r>
+            <a:r>
+              <a:rPr lang="en-US" altLang="zh-CN" sz="2400" b="1" dirty="0">
+                <a:solidFill>
+                  <a:schemeClr val="tx1">
+                    <a:lumMod val="85000"/>
+                    <a:lumOff val="15000"/>
+                  </a:schemeClr>
+                </a:solidFill>
+                <a:latin typeface="Consolas" panose="020B0609020204030204" pitchFamily="49" charset="0"/>
+              </a:rPr>
+              <a:t>());</a:t>
+            </a:r>
+            <a:endParaRPr lang="en-US" altLang="zh-CN" sz="2400" b="1" dirty="0">
               <a:solidFill>
                 <a:srgbClr val="00642D"/>
               </a:solidFill>
@@ -40338,7 +40777,7 @@
               <a:defRPr/>
             </a:pPr>
             <a:r>
-              <a:rPr lang="en-US" altLang="zh-CN" sz="2400" b="1" smtClean="0">
+              <a:rPr lang="en-US" altLang="zh-CN" sz="2400" b="1" dirty="0" smtClean="0">
                 <a:solidFill>
                   <a:srgbClr val="00642D"/>
                 </a:solidFill>
@@ -40347,7 +40786,7 @@
               <a:t>// </a:t>
             </a:r>
             <a:r>
-              <a:rPr lang="zh-CN" altLang="en-US" sz="2400" smtClean="0">
+              <a:rPr lang="zh-CN" altLang="en-US" sz="2400" dirty="0" smtClean="0">
                 <a:solidFill>
                   <a:srgbClr val="00642D"/>
                 </a:solidFill>
@@ -40356,7 +40795,7 @@
               </a:rPr>
               <a:t>给弹出菜单添加点击监听</a:t>
             </a:r>
-            <a:endParaRPr lang="en-US" altLang="zh-CN" sz="2400" smtClean="0">
+            <a:endParaRPr lang="en-US" altLang="zh-CN" sz="2400" dirty="0" smtClean="0">
               <a:solidFill>
                 <a:srgbClr val="00642D"/>
               </a:solidFill>
@@ -40369,7 +40808,7 @@
               <a:defRPr/>
             </a:pPr>
             <a:r>
-              <a:rPr lang="en-US" altLang="zh-CN" sz="2400" b="1" smtClean="0">
+              <a:rPr lang="en-US" altLang="zh-CN" sz="2400" b="1" dirty="0" err="1" smtClean="0">
                 <a:solidFill>
                   <a:schemeClr val="tx1">
                     <a:lumMod val="85000"/>
@@ -40381,7 +40820,7 @@
               <a:t>popupMenu.</a:t>
             </a:r>
             <a:r>
-              <a:rPr lang="en-US" altLang="zh-CN" sz="2400" b="1" smtClean="0">
+              <a:rPr lang="en-US" altLang="zh-CN" sz="2400" b="1" dirty="0" err="1" smtClean="0">
                 <a:solidFill>
                   <a:srgbClr val="C00000"/>
                 </a:solidFill>
@@ -40390,234 +40829,30 @@
               <a:t>setOnMenuItemClickListener</a:t>
             </a:r>
             <a:r>
-              <a:rPr lang="en-US" altLang="zh-CN" sz="2400" b="1" smtClean="0">
-                <a:solidFill>
-                  <a:schemeClr val="tx1">
-                    <a:lumMod val="85000"/>
-                    <a:lumOff val="15000"/>
-                  </a:schemeClr>
-                </a:solidFill>
-                <a:latin typeface="Consolas" panose="020B0609020204030204" pitchFamily="49" charset="0"/>
-              </a:rPr>
-              <a:t>(new PopupMenu</a:t>
-            </a:r>
-          </a:p>
-          <a:p>
-            <a:pPr>
-              <a:defRPr/>
-            </a:pPr>
-            <a:r>
-              <a:rPr lang="en-US" altLang="zh-CN" sz="2400" b="1">
-                <a:solidFill>
-                  <a:schemeClr val="tx1">
-                    <a:lumMod val="85000"/>
-                    <a:lumOff val="15000"/>
-                  </a:schemeClr>
-                </a:solidFill>
-                <a:latin typeface="Consolas" panose="020B0609020204030204" pitchFamily="49" charset="0"/>
-              </a:rPr>
-              <a:t> </a:t>
-            </a:r>
-            <a:r>
-              <a:rPr lang="en-US" altLang="zh-CN" sz="2400" b="1" smtClean="0">
-                <a:solidFill>
-                  <a:schemeClr val="tx1">
-                    <a:lumMod val="85000"/>
-                    <a:lumOff val="15000"/>
-                  </a:schemeClr>
-                </a:solidFill>
-                <a:latin typeface="Consolas" panose="020B0609020204030204" pitchFamily="49" charset="0"/>
-              </a:rPr>
-              <a:t>       .</a:t>
-            </a:r>
-            <a:r>
-              <a:rPr lang="en-US" altLang="zh-CN" sz="2400" b="1">
-                <a:solidFill>
-                  <a:schemeClr val="tx1">
-                    <a:lumMod val="85000"/>
-                    <a:lumOff val="15000"/>
-                  </a:schemeClr>
-                </a:solidFill>
-                <a:latin typeface="Consolas" panose="020B0609020204030204" pitchFamily="49" charset="0"/>
-              </a:rPr>
-              <a:t>OnMenuItemClickListener() {</a:t>
-            </a:r>
-          </a:p>
-          <a:p>
-            <a:pPr>
-              <a:defRPr/>
-            </a:pPr>
-            <a:r>
-              <a:rPr lang="en-US" altLang="zh-CN" sz="2400" b="1" smtClean="0">
-                <a:solidFill>
-                  <a:schemeClr val="tx1">
-                    <a:lumMod val="85000"/>
-                    <a:lumOff val="15000"/>
-                  </a:schemeClr>
-                </a:solidFill>
-                <a:latin typeface="Consolas" panose="020B0609020204030204" pitchFamily="49" charset="0"/>
-              </a:rPr>
-              <a:t>    @</a:t>
-            </a:r>
-            <a:r>
-              <a:rPr lang="en-US" altLang="zh-CN" sz="2400" b="1">
-                <a:solidFill>
-                  <a:schemeClr val="tx1">
-                    <a:lumMod val="85000"/>
-                    <a:lumOff val="15000"/>
-                  </a:schemeClr>
-                </a:solidFill>
-                <a:latin typeface="Consolas" panose="020B0609020204030204" pitchFamily="49" charset="0"/>
-              </a:rPr>
-              <a:t>Override</a:t>
-            </a:r>
-          </a:p>
-          <a:p>
-            <a:pPr>
-              <a:defRPr/>
-            </a:pPr>
-            <a:r>
-              <a:rPr lang="en-US" altLang="zh-CN" sz="2400" b="1">
-                <a:solidFill>
-                  <a:schemeClr val="tx1">
-                    <a:lumMod val="85000"/>
-                    <a:lumOff val="15000"/>
-                  </a:schemeClr>
-                </a:solidFill>
-                <a:latin typeface="Consolas" panose="020B0609020204030204" pitchFamily="49" charset="0"/>
-              </a:rPr>
-              <a:t>    </a:t>
-            </a:r>
-            <a:r>
-              <a:rPr lang="en-US" altLang="zh-CN" sz="2400" b="1" smtClean="0">
-                <a:solidFill>
-                  <a:schemeClr val="tx1">
-                    <a:lumMod val="85000"/>
-                    <a:lumOff val="15000"/>
-                  </a:schemeClr>
-                </a:solidFill>
-                <a:latin typeface="Consolas" panose="020B0609020204030204" pitchFamily="49" charset="0"/>
-              </a:rPr>
-              <a:t>public </a:t>
-            </a:r>
-            <a:r>
-              <a:rPr lang="en-US" altLang="zh-CN" sz="2400" b="1">
-                <a:solidFill>
-                  <a:schemeClr val="tx1">
-                    <a:lumMod val="85000"/>
-                    <a:lumOff val="15000"/>
-                  </a:schemeClr>
-                </a:solidFill>
-                <a:latin typeface="Consolas" panose="020B0609020204030204" pitchFamily="49" charset="0"/>
-              </a:rPr>
-              <a:t>boolean onMenuItemClick(MenuItem item) {</a:t>
-            </a:r>
-          </a:p>
-          <a:p>
-            <a:pPr>
-              <a:defRPr/>
-            </a:pPr>
-            <a:r>
-              <a:rPr lang="en-US" altLang="zh-CN" sz="2400" b="1">
-                <a:solidFill>
-                  <a:schemeClr val="tx1">
-                    <a:lumMod val="85000"/>
-                    <a:lumOff val="15000"/>
-                  </a:schemeClr>
-                </a:solidFill>
-                <a:latin typeface="Consolas" panose="020B0609020204030204" pitchFamily="49" charset="0"/>
-              </a:rPr>
-              <a:t>        </a:t>
-            </a:r>
-            <a:r>
-              <a:rPr lang="en-US" altLang="zh-CN" sz="2400" b="1" smtClean="0">
-                <a:solidFill>
-                  <a:srgbClr val="00642D"/>
-                </a:solidFill>
-                <a:latin typeface="Consolas" panose="020B0609020204030204" pitchFamily="49" charset="0"/>
-              </a:rPr>
-              <a:t>// </a:t>
-            </a:r>
-            <a:r>
-              <a:rPr lang="en-US" altLang="zh-CN" sz="2400" b="1">
-                <a:solidFill>
-                  <a:srgbClr val="00642D"/>
-                </a:solidFill>
-                <a:latin typeface="Consolas" panose="020B0609020204030204" pitchFamily="49" charset="0"/>
-              </a:rPr>
-              <a:t>TODO</a:t>
-            </a:r>
-          </a:p>
-          <a:p>
-            <a:pPr>
-              <a:defRPr/>
-            </a:pPr>
-            <a:r>
-              <a:rPr lang="en-US" altLang="zh-CN" sz="2400" b="1">
-                <a:solidFill>
-                  <a:schemeClr val="tx1">
-                    <a:lumMod val="85000"/>
-                    <a:lumOff val="15000"/>
-                  </a:schemeClr>
-                </a:solidFill>
-                <a:latin typeface="Consolas" panose="020B0609020204030204" pitchFamily="49" charset="0"/>
-              </a:rPr>
-              <a:t>        </a:t>
-            </a:r>
-            <a:r>
-              <a:rPr lang="en-US" altLang="zh-CN" sz="2400" b="1" smtClean="0">
-                <a:solidFill>
-                  <a:schemeClr val="tx1">
-                    <a:lumMod val="85000"/>
-                    <a:lumOff val="15000"/>
-                  </a:schemeClr>
-                </a:solidFill>
-                <a:latin typeface="Consolas" panose="020B0609020204030204" pitchFamily="49" charset="0"/>
-              </a:rPr>
-              <a:t>return </a:t>
-            </a:r>
-            <a:r>
-              <a:rPr lang="en-US" altLang="zh-CN" sz="2400" b="1">
-                <a:solidFill>
-                  <a:schemeClr val="tx1">
-                    <a:lumMod val="85000"/>
-                    <a:lumOff val="15000"/>
-                  </a:schemeClr>
-                </a:solidFill>
-                <a:latin typeface="Consolas" panose="020B0609020204030204" pitchFamily="49" charset="0"/>
-              </a:rPr>
-              <a:t>false;</a:t>
-            </a:r>
-          </a:p>
-          <a:p>
-            <a:pPr>
-              <a:defRPr/>
-            </a:pPr>
-            <a:r>
-              <a:rPr lang="en-US" altLang="zh-CN" sz="2400" b="1">
-                <a:solidFill>
-                  <a:schemeClr val="tx1">
-                    <a:lumMod val="85000"/>
-                    <a:lumOff val="15000"/>
-                  </a:schemeClr>
-                </a:solidFill>
-                <a:latin typeface="Consolas" panose="020B0609020204030204" pitchFamily="49" charset="0"/>
-              </a:rPr>
-              <a:t>    </a:t>
-            </a:r>
-            <a:r>
-              <a:rPr lang="en-US" altLang="zh-CN" sz="2400" b="1" smtClean="0">
-                <a:solidFill>
-                  <a:schemeClr val="tx1">
-                    <a:lumMod val="85000"/>
-                    <a:lumOff val="15000"/>
-                  </a:schemeClr>
-                </a:solidFill>
-                <a:latin typeface="Consolas" panose="020B0609020204030204" pitchFamily="49" charset="0"/>
-              </a:rPr>
-              <a:t>}</a:t>
-            </a:r>
-            <a:endParaRPr lang="en-US" altLang="zh-CN" sz="2400" b="1">
+              <a:rPr lang="en-US" altLang="zh-CN" sz="2400" b="1" dirty="0" smtClean="0">
+                <a:solidFill>
+                  <a:schemeClr val="tx1">
+                    <a:lumMod val="85000"/>
+                    <a:lumOff val="15000"/>
+                  </a:schemeClr>
+                </a:solidFill>
+                <a:latin typeface="Consolas" panose="020B0609020204030204" pitchFamily="49" charset="0"/>
+              </a:rPr>
+              <a:t>(new </a:t>
+            </a:r>
+            <a:r>
+              <a:rPr lang="en-US" altLang="zh-CN" sz="2400" b="1" dirty="0" err="1" smtClean="0">
+                <a:solidFill>
+                  <a:schemeClr val="tx1">
+                    <a:lumMod val="85000"/>
+                    <a:lumOff val="15000"/>
+                  </a:schemeClr>
+                </a:solidFill>
+                <a:latin typeface="Consolas" panose="020B0609020204030204" pitchFamily="49" charset="0"/>
+              </a:rPr>
+              <a:t>PopupMenu</a:t>
+            </a:r>
+            <a:endParaRPr lang="en-US" altLang="zh-CN" sz="2400" b="1" dirty="0" smtClean="0">
               <a:solidFill>
                 <a:schemeClr val="tx1">
                   <a:lumMod val="85000"/>
@@ -40632,16 +40867,52 @@
               <a:defRPr/>
             </a:pPr>
             <a:r>
-              <a:rPr lang="en-US" altLang="zh-CN" sz="2400" b="1" smtClean="0">
-                <a:solidFill>
-                  <a:schemeClr val="tx1">
-                    <a:lumMod val="85000"/>
-                    <a:lumOff val="15000"/>
-                  </a:schemeClr>
-                </a:solidFill>
-                <a:latin typeface="Consolas" panose="020B0609020204030204" pitchFamily="49" charset="0"/>
-              </a:rPr>
-              <a:t>});</a:t>
+              <a:rPr lang="en-US" altLang="zh-CN" sz="2400" b="1" dirty="0">
+                <a:solidFill>
+                  <a:schemeClr val="tx1">
+                    <a:lumMod val="85000"/>
+                    <a:lumOff val="15000"/>
+                  </a:schemeClr>
+                </a:solidFill>
+                <a:latin typeface="Consolas" panose="020B0609020204030204" pitchFamily="49" charset="0"/>
+              </a:rPr>
+              <a:t> </a:t>
+            </a:r>
+            <a:r>
+              <a:rPr lang="en-US" altLang="zh-CN" sz="2400" b="1" dirty="0" smtClean="0">
+                <a:solidFill>
+                  <a:schemeClr val="tx1">
+                    <a:lumMod val="85000"/>
+                    <a:lumOff val="15000"/>
+                  </a:schemeClr>
+                </a:solidFill>
+                <a:latin typeface="Consolas" panose="020B0609020204030204" pitchFamily="49" charset="0"/>
+              </a:rPr>
+              <a:t>       .</a:t>
+            </a:r>
+            <a:r>
+              <a:rPr lang="en-US" altLang="zh-CN" sz="2400" b="1" dirty="0" err="1">
+                <a:solidFill>
+                  <a:schemeClr val="tx1">
+                    <a:lumMod val="85000"/>
+                    <a:lumOff val="15000"/>
+                  </a:schemeClr>
+                </a:solidFill>
+                <a:latin typeface="Consolas" panose="020B0609020204030204" pitchFamily="49" charset="0"/>
+              </a:rPr>
+              <a:t>OnMenuItemClickListener</a:t>
+            </a:r>
+            <a:r>
+              <a:rPr lang="en-US" altLang="zh-CN" sz="2400" b="1" dirty="0">
+                <a:solidFill>
+                  <a:schemeClr val="tx1">
+                    <a:lumMod val="85000"/>
+                    <a:lumOff val="15000"/>
+                  </a:schemeClr>
+                </a:solidFill>
+                <a:latin typeface="Consolas" panose="020B0609020204030204" pitchFamily="49" charset="0"/>
+              </a:rPr>
+              <a:t>() {</a:t>
             </a:r>
           </a:p>
           <a:p>
@@ -40649,16 +40920,277 @@
               <a:defRPr/>
             </a:pPr>
             <a:r>
-              <a:rPr lang="en-US" altLang="zh-CN" sz="2400" b="1" smtClean="0">
+              <a:rPr lang="en-US" altLang="zh-CN" sz="2400" b="1" dirty="0" smtClean="0">
+                <a:solidFill>
+                  <a:schemeClr val="tx1">
+                    <a:lumMod val="85000"/>
+                    <a:lumOff val="15000"/>
+                  </a:schemeClr>
+                </a:solidFill>
+                <a:latin typeface="Consolas" panose="020B0609020204030204" pitchFamily="49" charset="0"/>
+              </a:rPr>
+              <a:t>    @</a:t>
+            </a:r>
+            <a:r>
+              <a:rPr lang="en-US" altLang="zh-CN" sz="2400" b="1" dirty="0">
+                <a:solidFill>
+                  <a:schemeClr val="tx1">
+                    <a:lumMod val="85000"/>
+                    <a:lumOff val="15000"/>
+                  </a:schemeClr>
+                </a:solidFill>
+                <a:latin typeface="Consolas" panose="020B0609020204030204" pitchFamily="49" charset="0"/>
+              </a:rPr>
+              <a:t>Override</a:t>
+            </a:r>
+          </a:p>
+          <a:p>
+            <a:pPr>
+              <a:defRPr/>
+            </a:pPr>
+            <a:r>
+              <a:rPr lang="en-US" altLang="zh-CN" sz="2400" b="1" dirty="0">
+                <a:solidFill>
+                  <a:schemeClr val="tx1">
+                    <a:lumMod val="85000"/>
+                    <a:lumOff val="15000"/>
+                  </a:schemeClr>
+                </a:solidFill>
+                <a:latin typeface="Consolas" panose="020B0609020204030204" pitchFamily="49" charset="0"/>
+              </a:rPr>
+              <a:t>    </a:t>
+            </a:r>
+            <a:r>
+              <a:rPr lang="en-US" altLang="zh-CN" sz="2400" b="1" dirty="0" smtClean="0">
+                <a:solidFill>
+                  <a:schemeClr val="tx1">
+                    <a:lumMod val="85000"/>
+                    <a:lumOff val="15000"/>
+                  </a:schemeClr>
+                </a:solidFill>
+                <a:latin typeface="Consolas" panose="020B0609020204030204" pitchFamily="49" charset="0"/>
+              </a:rPr>
+              <a:t>public </a:t>
+            </a:r>
+            <a:r>
+              <a:rPr lang="en-US" altLang="zh-CN" sz="2400" b="1" dirty="0" err="1">
+                <a:solidFill>
+                  <a:schemeClr val="tx1">
+                    <a:lumMod val="85000"/>
+                    <a:lumOff val="15000"/>
+                  </a:schemeClr>
+                </a:solidFill>
+                <a:latin typeface="Consolas" panose="020B0609020204030204" pitchFamily="49" charset="0"/>
+              </a:rPr>
+              <a:t>boolean</a:t>
+            </a:r>
+            <a:r>
+              <a:rPr lang="en-US" altLang="zh-CN" sz="2400" b="1" dirty="0">
+                <a:solidFill>
+                  <a:schemeClr val="tx1">
+                    <a:lumMod val="85000"/>
+                    <a:lumOff val="15000"/>
+                  </a:schemeClr>
+                </a:solidFill>
+                <a:latin typeface="Consolas" panose="020B0609020204030204" pitchFamily="49" charset="0"/>
+              </a:rPr>
+              <a:t> </a:t>
+            </a:r>
+            <a:r>
+              <a:rPr lang="en-US" altLang="zh-CN" sz="2400" b="1" dirty="0" err="1">
+                <a:solidFill>
+                  <a:schemeClr val="tx1">
+                    <a:lumMod val="85000"/>
+                    <a:lumOff val="15000"/>
+                  </a:schemeClr>
+                </a:solidFill>
+                <a:latin typeface="Consolas" panose="020B0609020204030204" pitchFamily="49" charset="0"/>
+              </a:rPr>
+              <a:t>onMenuItemClick</a:t>
+            </a:r>
+            <a:r>
+              <a:rPr lang="en-US" altLang="zh-CN" sz="2400" b="1" dirty="0">
+                <a:solidFill>
+                  <a:schemeClr val="tx1">
+                    <a:lumMod val="85000"/>
+                    <a:lumOff val="15000"/>
+                  </a:schemeClr>
+                </a:solidFill>
+                <a:latin typeface="Consolas" panose="020B0609020204030204" pitchFamily="49" charset="0"/>
+              </a:rPr>
+              <a:t>(</a:t>
+            </a:r>
+            <a:r>
+              <a:rPr lang="en-US" altLang="zh-CN" sz="2400" b="1" dirty="0" err="1">
+                <a:solidFill>
+                  <a:schemeClr val="tx1">
+                    <a:lumMod val="85000"/>
+                    <a:lumOff val="15000"/>
+                  </a:schemeClr>
+                </a:solidFill>
+                <a:latin typeface="Consolas" panose="020B0609020204030204" pitchFamily="49" charset="0"/>
+              </a:rPr>
+              <a:t>MenuItem</a:t>
+            </a:r>
+            <a:r>
+              <a:rPr lang="en-US" altLang="zh-CN" sz="2400" b="1" dirty="0">
+                <a:solidFill>
+                  <a:schemeClr val="tx1">
+                    <a:lumMod val="85000"/>
+                    <a:lumOff val="15000"/>
+                  </a:schemeClr>
+                </a:solidFill>
+                <a:latin typeface="Consolas" panose="020B0609020204030204" pitchFamily="49" charset="0"/>
+              </a:rPr>
+              <a:t> item) {</a:t>
+            </a:r>
+          </a:p>
+          <a:p>
+            <a:pPr>
+              <a:defRPr/>
+            </a:pPr>
+            <a:r>
+              <a:rPr lang="en-US" altLang="zh-CN" sz="2400" b="1" dirty="0">
+                <a:solidFill>
+                  <a:schemeClr val="tx1">
+                    <a:lumMod val="85000"/>
+                    <a:lumOff val="15000"/>
+                  </a:schemeClr>
+                </a:solidFill>
+                <a:latin typeface="Consolas" panose="020B0609020204030204" pitchFamily="49" charset="0"/>
+              </a:rPr>
+              <a:t>        </a:t>
+            </a:r>
+            <a:r>
+              <a:rPr lang="en-US" altLang="zh-CN" sz="2400" b="1" dirty="0" smtClean="0">
                 <a:solidFill>
                   <a:srgbClr val="00642D"/>
                 </a:solidFill>
                 <a:latin typeface="Consolas" panose="020B0609020204030204" pitchFamily="49" charset="0"/>
               </a:rPr>
+              <a:t>// </a:t>
+            </a:r>
+            <a:r>
+              <a:rPr lang="en-US" altLang="zh-CN" sz="2400" b="1" dirty="0">
+                <a:solidFill>
+                  <a:srgbClr val="00642D"/>
+                </a:solidFill>
+                <a:latin typeface="Consolas" panose="020B0609020204030204" pitchFamily="49" charset="0"/>
+              </a:rPr>
+              <a:t>TODO</a:t>
+            </a:r>
+          </a:p>
+          <a:p>
+            <a:pPr>
+              <a:defRPr/>
+            </a:pPr>
+            <a:r>
+              <a:rPr lang="en-US" altLang="zh-CN" sz="2400" b="1" dirty="0">
+                <a:solidFill>
+                  <a:schemeClr val="tx1">
+                    <a:lumMod val="85000"/>
+                    <a:lumOff val="15000"/>
+                  </a:schemeClr>
+                </a:solidFill>
+                <a:latin typeface="Consolas" panose="020B0609020204030204" pitchFamily="49" charset="0"/>
+              </a:rPr>
+              <a:t>        </a:t>
+            </a:r>
+            <a:r>
+              <a:rPr lang="en-US" altLang="zh-CN" sz="2400" b="1" dirty="0" smtClean="0">
+                <a:solidFill>
+                  <a:schemeClr val="tx1">
+                    <a:lumMod val="85000"/>
+                    <a:lumOff val="15000"/>
+                  </a:schemeClr>
+                </a:solidFill>
+                <a:latin typeface="Consolas" panose="020B0609020204030204" pitchFamily="49" charset="0"/>
+              </a:rPr>
+              <a:t>return </a:t>
+            </a:r>
+            <a:r>
+              <a:rPr lang="en-US" altLang="zh-CN" sz="2400" b="1" dirty="0">
+                <a:solidFill>
+                  <a:schemeClr val="tx1">
+                    <a:lumMod val="85000"/>
+                    <a:lumOff val="15000"/>
+                  </a:schemeClr>
+                </a:solidFill>
+                <a:latin typeface="Consolas" panose="020B0609020204030204" pitchFamily="49" charset="0"/>
+              </a:rPr>
+              <a:t>false;</a:t>
+            </a:r>
+          </a:p>
+          <a:p>
+            <a:pPr>
+              <a:defRPr/>
+            </a:pPr>
+            <a:r>
+              <a:rPr lang="en-US" altLang="zh-CN" sz="2400" b="1" dirty="0">
+                <a:solidFill>
+                  <a:schemeClr val="tx1">
+                    <a:lumMod val="85000"/>
+                    <a:lumOff val="15000"/>
+                  </a:schemeClr>
+                </a:solidFill>
+                <a:latin typeface="Consolas" panose="020B0609020204030204" pitchFamily="49" charset="0"/>
+              </a:rPr>
+              <a:t>    </a:t>
+            </a:r>
+            <a:r>
+              <a:rPr lang="en-US" altLang="zh-CN" sz="2400" b="1" dirty="0" smtClean="0">
+                <a:solidFill>
+                  <a:schemeClr val="tx1">
+                    <a:lumMod val="85000"/>
+                    <a:lumOff val="15000"/>
+                  </a:schemeClr>
+                </a:solidFill>
+                <a:latin typeface="Consolas" panose="020B0609020204030204" pitchFamily="49" charset="0"/>
+              </a:rPr>
+              <a:t>}</a:t>
+            </a:r>
+            <a:endParaRPr lang="en-US" altLang="zh-CN" sz="2400" b="1" dirty="0">
+              <a:solidFill>
+                <a:schemeClr val="tx1">
+                  <a:lumMod val="85000"/>
+                  <a:lumOff val="15000"/>
+                </a:schemeClr>
+              </a:solidFill>
+              <a:latin typeface="Consolas" panose="020B0609020204030204" pitchFamily="49" charset="0"/>
+            </a:endParaRPr>
+          </a:p>
+          <a:p>
+            <a:pPr>
+              <a:defRPr/>
+            </a:pPr>
+            <a:r>
+              <a:rPr lang="en-US" altLang="zh-CN" sz="2400" b="1" dirty="0" smtClean="0">
+                <a:solidFill>
+                  <a:schemeClr val="tx1">
+                    <a:lumMod val="85000"/>
+                    <a:lumOff val="15000"/>
+                  </a:schemeClr>
+                </a:solidFill>
+                <a:latin typeface="Consolas" panose="020B0609020204030204" pitchFamily="49" charset="0"/>
+              </a:rPr>
+              <a:t>});</a:t>
+            </a:r>
+          </a:p>
+          <a:p>
+            <a:pPr>
+              <a:defRPr/>
+            </a:pPr>
+            <a:r>
+              <a:rPr lang="en-US" altLang="zh-CN" sz="2400" b="1" dirty="0" smtClean="0">
+                <a:solidFill>
+                  <a:srgbClr val="00642D"/>
+                </a:solidFill>
+                <a:latin typeface="Consolas" panose="020B0609020204030204" pitchFamily="49" charset="0"/>
+              </a:rPr>
               <a:t>//</a:t>
             </a:r>
             <a:r>
-              <a:rPr lang="en-US" altLang="zh-CN" sz="2400" smtClean="0">
+              <a:rPr lang="en-US" altLang="zh-CN" sz="2400" dirty="0" smtClean="0">
                 <a:solidFill>
                   <a:srgbClr val="00642D"/>
                 </a:solidFill>
@@ -40667,7 +41199,7 @@
               <a:t> </a:t>
             </a:r>
             <a:r>
-              <a:rPr lang="zh-CN" altLang="en-US" sz="2400" smtClean="0">
+              <a:rPr lang="zh-CN" altLang="en-US" sz="2400" dirty="0" smtClean="0">
                 <a:solidFill>
                   <a:srgbClr val="00642D"/>
                 </a:solidFill>
@@ -40676,7 +41208,7 @@
               </a:rPr>
               <a:t>显示弹出菜单</a:t>
             </a:r>
-            <a:endParaRPr lang="en-US" altLang="zh-CN" sz="2400" smtClean="0">
+            <a:endParaRPr lang="en-US" altLang="zh-CN" sz="2400" dirty="0" smtClean="0">
               <a:solidFill>
                 <a:srgbClr val="00642D"/>
               </a:solidFill>
@@ -40689,15 +41221,24 @@
               <a:defRPr/>
             </a:pPr>
             <a:r>
-              <a:rPr lang="en-US" altLang="zh-CN" sz="2400" b="1" smtClean="0">
+              <a:rPr lang="en-US" altLang="zh-CN" sz="2400" b="1" dirty="0" err="1" smtClean="0">
                 <a:solidFill>
                   <a:srgbClr val="C00000"/>
                 </a:solidFill>
                 <a:latin typeface="Consolas" panose="020B0609020204030204" pitchFamily="49" charset="0"/>
               </a:rPr>
-              <a:t>popupMenu.show();</a:t>
-            </a:r>
-            <a:endParaRPr lang="en-US" altLang="zh-CN" sz="2400" b="1">
+              <a:t>popupMenu.show</a:t>
+            </a:r>
+            <a:r>
+              <a:rPr lang="en-US" altLang="zh-CN" sz="2400" b="1" dirty="0" smtClean="0">
+                <a:solidFill>
+                  <a:srgbClr val="C00000"/>
+                </a:solidFill>
+                <a:latin typeface="Consolas" panose="020B0609020204030204" pitchFamily="49" charset="0"/>
+              </a:rPr>
+              <a:t>();</a:t>
+            </a:r>
+            <a:endParaRPr lang="en-US" altLang="zh-CN" sz="2400" b="1" dirty="0">
               <a:solidFill>
                 <a:srgbClr val="C00000"/>
               </a:solidFill>
@@ -42746,21 +43287,10 @@
                   </a:schemeClr>
                 </a:solidFill>
               </a:rPr>
-              <a:t>的</a:t>
-            </a:r>
-            <a:r>
-              <a:rPr lang="zh-CN" altLang="en-US" sz="3200">
-                <a:solidFill>
-                  <a:schemeClr val="tx1">
-                    <a:lumMod val="85000"/>
-                    <a:lumOff val="15000"/>
-                  </a:schemeClr>
-                </a:solidFill>
-              </a:rPr>
-              <a:t>主要</a:t>
-            </a:r>
-            <a:r>
-              <a:rPr lang="zh-CN" altLang="en-US" sz="3200" smtClean="0">
+              <a:t>的主要</a:t>
+            </a:r>
+            <a:r>
+              <a:rPr lang="zh-CN" altLang="en-US" sz="3200" dirty="0" smtClean="0">
                 <a:solidFill>
                   <a:schemeClr val="tx1">
                     <a:lumMod val="85000"/>
@@ -42771,7 +43301,7 @@
               <a:t>功能</a:t>
             </a:r>
             <a:r>
-              <a:rPr lang="zh-CN" altLang="en-US" sz="3200">
+              <a:rPr lang="zh-CN" altLang="en-US" sz="3200" dirty="0">
                 <a:solidFill>
                   <a:schemeClr val="tx1">
                     <a:lumMod val="85000"/>
@@ -42801,21 +43331,10 @@
                   </a:schemeClr>
                 </a:solidFill>
               </a:rPr>
-              <a:t>显示选项菜单的</a:t>
-            </a:r>
-            <a:r>
-              <a:rPr lang="zh-CN" altLang="en-US" sz="3200">
-                <a:solidFill>
-                  <a:schemeClr val="tx1">
-                    <a:lumMod val="85000"/>
-                    <a:lumOff val="15000"/>
-                  </a:schemeClr>
-                </a:solidFill>
-              </a:rPr>
-              <a:t>菜单</a:t>
-            </a:r>
-            <a:r>
-              <a:rPr lang="zh-CN" altLang="en-US" sz="3200" smtClean="0">
+              <a:t>显示选项菜单的菜单</a:t>
+            </a:r>
+            <a:r>
+              <a:rPr lang="zh-CN" altLang="en-US" sz="3200" dirty="0" smtClean="0">
                 <a:solidFill>
                   <a:schemeClr val="tx1">
                     <a:lumMod val="85000"/>
@@ -42867,21 +43386,10 @@
                   </a:schemeClr>
                 </a:solidFill>
               </a:rPr>
-              <a:t>或者向上的</a:t>
-            </a:r>
-            <a:r>
-              <a:rPr lang="zh-CN" altLang="en-US" sz="3200">
-                <a:solidFill>
-                  <a:schemeClr val="tx1">
-                    <a:lumMod val="85000"/>
-                    <a:lumOff val="15000"/>
-                  </a:schemeClr>
-                </a:solidFill>
-              </a:rPr>
-              <a:t>导航</a:t>
-            </a:r>
-            <a:r>
-              <a:rPr lang="zh-CN" altLang="en-US" sz="3200" smtClean="0">
+              <a:t>或者向上的导航</a:t>
+            </a:r>
+            <a:r>
+              <a:rPr lang="zh-CN" altLang="en-US" sz="3200" dirty="0" smtClean="0">
                 <a:solidFill>
                   <a:schemeClr val="tx1">
                     <a:lumMod val="85000"/>
@@ -42936,7 +43444,7 @@
               <a:t>作为</a:t>
             </a:r>
             <a:r>
-              <a:rPr lang="en-US" altLang="zh-CN" sz="3200">
+              <a:rPr lang="en-US" altLang="zh-CN" sz="3200" dirty="0">
                 <a:solidFill>
                   <a:schemeClr val="tx1">
                     <a:lumMod val="85000"/>
@@ -42947,7 +43455,7 @@
               <a:t>Action </a:t>
             </a:r>
             <a:r>
-              <a:rPr lang="en-US" altLang="zh-CN" sz="3200" smtClean="0">
+              <a:rPr lang="en-US" altLang="zh-CN" sz="3200" dirty="0" smtClean="0">
                 <a:solidFill>
                   <a:schemeClr val="tx1">
                     <a:lumMod val="85000"/>
@@ -42958,7 +43466,7 @@
               <a:t>View</a:t>
             </a:r>
             <a:r>
-              <a:rPr lang="zh-CN" altLang="en-US" sz="3200" smtClean="0">
+              <a:rPr lang="zh-CN" altLang="en-US" sz="3200" dirty="0" smtClean="0">
                 <a:solidFill>
                   <a:schemeClr val="tx1">
                     <a:lumMod val="85000"/>
@@ -43010,21 +43518,10 @@
                   </a:schemeClr>
                 </a:solidFill>
               </a:rPr>
-              <a:t>的导航方式，可用于切换多</a:t>
-            </a:r>
-            <a:r>
-              <a:rPr lang="zh-CN" altLang="en-US" sz="3200">
-                <a:solidFill>
-                  <a:schemeClr val="tx1">
-                    <a:lumMod val="85000"/>
-                    <a:lumOff val="15000"/>
-                  </a:schemeClr>
-                </a:solidFill>
-              </a:rPr>
-              <a:t>个</a:t>
-            </a:r>
-            <a:r>
-              <a:rPr lang="en-US" altLang="zh-CN" sz="3200" smtClean="0">
+              <a:t>的导航方式，可用于切换多个</a:t>
+            </a:r>
+            <a:r>
+              <a:rPr lang="en-US" altLang="zh-CN" sz="3200" dirty="0" smtClean="0">
                 <a:solidFill>
                   <a:schemeClr val="tx1">
                     <a:lumMod val="85000"/>
@@ -43035,7 +43532,7 @@
               <a:t>Fragment</a:t>
             </a:r>
             <a:r>
-              <a:rPr lang="zh-CN" altLang="en-US" sz="3200" smtClean="0">
+              <a:rPr lang="zh-CN" altLang="en-US" sz="3200" dirty="0" smtClean="0">
                 <a:solidFill>
                   <a:schemeClr val="tx1">
                     <a:lumMod val="85000"/>
@@ -43065,21 +43562,10 @@
                   </a:schemeClr>
                 </a:solidFill>
               </a:rPr>
-              <a:t>提供基于下拉的</a:t>
-            </a:r>
-            <a:r>
-              <a:rPr lang="zh-CN" altLang="en-US" sz="3200">
-                <a:solidFill>
-                  <a:schemeClr val="tx1">
-                    <a:lumMod val="85000"/>
-                    <a:lumOff val="15000"/>
-                  </a:schemeClr>
-                </a:solidFill>
-              </a:rPr>
-              <a:t>导航</a:t>
-            </a:r>
-            <a:r>
-              <a:rPr lang="zh-CN" altLang="en-US" sz="3200" smtClean="0">
+              <a:t>提供基于下拉的导航</a:t>
+            </a:r>
+            <a:r>
+              <a:rPr lang="zh-CN" altLang="en-US" sz="3200" dirty="0" smtClean="0">
                 <a:solidFill>
                   <a:schemeClr val="tx1">
                     <a:lumMod val="85000"/>
@@ -43576,7 +44062,7 @@
               <a:t>可以将选项菜单显示成</a:t>
             </a:r>
             <a:r>
-              <a:rPr lang="en-US" altLang="zh-CN" sz="3200">
+              <a:rPr lang="en-US" altLang="zh-CN" sz="3200" dirty="0">
                 <a:solidFill>
                   <a:schemeClr val="tx1">
                     <a:lumMod val="85000"/>
@@ -43587,7 +44073,7 @@
               <a:t>Action </a:t>
             </a:r>
             <a:r>
-              <a:rPr lang="en-US" altLang="zh-CN" sz="3200" smtClean="0">
+              <a:rPr lang="en-US" altLang="zh-CN" sz="3200" dirty="0" smtClean="0">
                 <a:solidFill>
                   <a:schemeClr val="tx1">
                     <a:lumMod val="85000"/>
@@ -43598,7 +44084,7 @@
               <a:t>Item</a:t>
             </a:r>
             <a:r>
-              <a:rPr lang="zh-CN" altLang="en-US" sz="3200" smtClean="0">
+              <a:rPr lang="zh-CN" altLang="en-US" sz="3200" dirty="0" smtClean="0">
                 <a:solidFill>
                   <a:schemeClr val="tx1">
                     <a:lumMod val="85000"/>
@@ -43697,7 +44183,7 @@
               <a:t>，设置选项菜单是否显示在</a:t>
             </a:r>
             <a:r>
-              <a:rPr lang="en-US" altLang="zh-CN" sz="2800" err="1">
+              <a:rPr lang="en-US" altLang="zh-CN" sz="2800" dirty="0" err="1">
                 <a:solidFill>
                   <a:schemeClr val="tx1">
                     <a:lumMod val="85000"/>
@@ -43708,7 +44194,7 @@
               <a:t>ActionBar</a:t>
             </a:r>
             <a:r>
-              <a:rPr lang="zh-CN" altLang="en-US" sz="2800" smtClean="0">
+              <a:rPr lang="zh-CN" altLang="en-US" sz="2800" dirty="0" smtClean="0">
                 <a:solidFill>
                   <a:schemeClr val="tx1">
                     <a:lumMod val="85000"/>
@@ -43752,7 +44238,7 @@
               <a:t>：总是显示在</a:t>
             </a:r>
             <a:r>
-              <a:rPr lang="en-US" altLang="zh-CN" sz="2400" err="1">
+              <a:rPr lang="en-US" altLang="zh-CN" sz="2400" dirty="0" err="1">
                 <a:solidFill>
                   <a:schemeClr val="tx1">
                     <a:lumMod val="85000"/>
@@ -43763,7 +44249,7 @@
               <a:t>ActionBar</a:t>
             </a:r>
             <a:r>
-              <a:rPr lang="zh-CN" altLang="en-US" sz="2400" smtClean="0">
+              <a:rPr lang="zh-CN" altLang="en-US" sz="2400" dirty="0" smtClean="0">
                 <a:solidFill>
                   <a:schemeClr val="tx1">
                     <a:lumMod val="85000"/>
@@ -43826,21 +44312,10 @@
                   </a:schemeClr>
                 </a:solidFill>
               </a:rPr>
-              <a:t>折叠成普通的</a:t>
-            </a:r>
-            <a:r>
-              <a:rPr lang="zh-CN" altLang="en-US" sz="2400">
-                <a:solidFill>
-                  <a:schemeClr val="tx1">
-                    <a:lumMod val="85000"/>
-                    <a:lumOff val="15000"/>
-                  </a:schemeClr>
-                </a:solidFill>
-              </a:rPr>
-              <a:t>菜单</a:t>
-            </a:r>
-            <a:r>
-              <a:rPr lang="zh-CN" altLang="en-US" sz="2400" smtClean="0">
+              <a:t>折叠成普通的菜单</a:t>
+            </a:r>
+            <a:r>
+              <a:rPr lang="zh-CN" altLang="en-US" sz="2400" dirty="0" smtClean="0">
                 <a:solidFill>
                   <a:schemeClr val="tx1">
                     <a:lumMod val="85000"/>
@@ -43903,21 +44378,10 @@
                   </a:schemeClr>
                 </a:solidFill>
               </a:rPr>
-              <a:t>位置足够时</a:t>
-            </a:r>
-            <a:r>
-              <a:rPr lang="zh-CN" altLang="en-US" sz="2400">
-                <a:solidFill>
-                  <a:schemeClr val="tx1">
-                    <a:lumMod val="85000"/>
-                    <a:lumOff val="15000"/>
-                  </a:schemeClr>
-                </a:solidFill>
-              </a:rPr>
-              <a:t>才</a:t>
-            </a:r>
-            <a:r>
-              <a:rPr lang="zh-CN" altLang="en-US" sz="2400" smtClean="0">
+              <a:t>位置足够时才</a:t>
+            </a:r>
+            <a:r>
+              <a:rPr lang="zh-CN" altLang="en-US" sz="2400" dirty="0" smtClean="0">
                 <a:solidFill>
                   <a:schemeClr val="tx1">
                     <a:lumMod val="85000"/>
@@ -43983,7 +44447,7 @@
               <a:t>显示在</a:t>
             </a:r>
             <a:r>
-              <a:rPr lang="en-US" altLang="zh-CN" sz="2400" err="1">
+              <a:rPr lang="en-US" altLang="zh-CN" sz="2400" dirty="0" err="1">
                 <a:solidFill>
                   <a:schemeClr val="tx1">
                     <a:lumMod val="85000"/>
@@ -43994,7 +44458,7 @@
               <a:t>ActionBar</a:t>
             </a:r>
             <a:r>
-              <a:rPr lang="zh-CN" altLang="en-US" sz="2400" smtClean="0">
+              <a:rPr lang="zh-CN" altLang="en-US" sz="2400" dirty="0" smtClean="0">
                 <a:solidFill>
                   <a:schemeClr val="tx1">
                     <a:lumMod val="85000"/>
@@ -44079,21 +44543,10 @@
                   </a:schemeClr>
                 </a:solidFill>
               </a:rPr>
-              <a:t>上，并显示该菜单项</a:t>
-            </a:r>
-            <a:r>
-              <a:rPr lang="zh-CN" altLang="en-US" sz="2400">
-                <a:solidFill>
-                  <a:schemeClr val="tx1">
-                    <a:lumMod val="85000"/>
-                    <a:lumOff val="15000"/>
-                  </a:schemeClr>
-                </a:solidFill>
-              </a:rPr>
-              <a:t>的</a:t>
-            </a:r>
-            <a:r>
-              <a:rPr lang="zh-CN" altLang="en-US" sz="2400" smtClean="0">
+              <a:t>上，并显示该菜单项的</a:t>
+            </a:r>
+            <a:r>
+              <a:rPr lang="zh-CN" altLang="en-US" sz="2400" dirty="0" smtClean="0">
                 <a:solidFill>
                   <a:schemeClr val="tx1">
                     <a:lumMod val="85000"/>
@@ -49077,6 +49530,13 @@
   <p:clrMapOvr>
     <a:masterClrMapping/>
   </p:clrMapOvr>
+  <p:timing>
+    <p:tnLst>
+      <p:par>
+        <p:cTn id="1" dur="indefinite" restart="never" nodeType="tmRoot"/>
+      </p:par>
+    </p:tnLst>
+  </p:timing>
 </p:sld>
 </file>
 
